--- a/Analyse factorielle et classification.pptx
+++ b/Analyse factorielle et classification.pptx
@@ -7,6 +7,32 @@
   <p:sldIdLst>
     <p:sldId id="256" r:id="rId2"/>
     <p:sldId id="257" r:id="rId3"/>
+    <p:sldId id="258" r:id="rId4"/>
+    <p:sldId id="259" r:id="rId5"/>
+    <p:sldId id="260" r:id="rId6"/>
+    <p:sldId id="261" r:id="rId7"/>
+    <p:sldId id="262" r:id="rId8"/>
+    <p:sldId id="263" r:id="rId9"/>
+    <p:sldId id="264" r:id="rId10"/>
+    <p:sldId id="265" r:id="rId11"/>
+    <p:sldId id="266" r:id="rId12"/>
+    <p:sldId id="269" r:id="rId13"/>
+    <p:sldId id="270" r:id="rId14"/>
+    <p:sldId id="268" r:id="rId15"/>
+    <p:sldId id="267" r:id="rId16"/>
+    <p:sldId id="271" r:id="rId17"/>
+    <p:sldId id="272" r:id="rId18"/>
+    <p:sldId id="273" r:id="rId19"/>
+    <p:sldId id="274" r:id="rId20"/>
+    <p:sldId id="275" r:id="rId21"/>
+    <p:sldId id="276" r:id="rId22"/>
+    <p:sldId id="277" r:id="rId23"/>
+    <p:sldId id="278" r:id="rId24"/>
+    <p:sldId id="279" r:id="rId25"/>
+    <p:sldId id="280" r:id="rId26"/>
+    <p:sldId id="281" r:id="rId27"/>
+    <p:sldId id="282" r:id="rId28"/>
+    <p:sldId id="283" r:id="rId29"/>
   </p:sldIdLst>
   <p:sldSz cx="12192000" cy="6858000"/>
   <p:notesSz cx="6858000" cy="9144000"/>
@@ -3393,6 +3419,991 @@
     <p:extLst>
       <p:ext uri="{BB962C8B-B14F-4D97-AF65-F5344CB8AC3E}">
         <p14:creationId xmlns:p14="http://schemas.microsoft.com/office/powerpoint/2010/main" val="3765338546"/>
+      </p:ext>
+    </p:extLst>
+  </p:cSld>
+  <p:clrMapOvr>
+    <a:masterClrMapping/>
+  </p:clrMapOvr>
+</p:sld>
+</file>
+
+<file path=ppt/slides/slide10.xml><?xml version="1.0" encoding="utf-8"?>
+<p:sld xmlns:a="http://schemas.openxmlformats.org/drawingml/2006/main" xmlns:r="http://schemas.openxmlformats.org/officeDocument/2006/relationships" xmlns:p="http://schemas.openxmlformats.org/presentationml/2006/main">
+  <p:cSld>
+    <p:spTree>
+      <p:nvGrpSpPr>
+        <p:cNvPr id="1" name=""/>
+        <p:cNvGrpSpPr/>
+        <p:nvPr/>
+      </p:nvGrpSpPr>
+      <p:grpSpPr>
+        <a:xfrm>
+          <a:off x="0" y="0"/>
+          <a:ext cx="0" cy="0"/>
+          <a:chOff x="0" y="0"/>
+          <a:chExt cx="0" cy="0"/>
+        </a:xfrm>
+      </p:grpSpPr>
+      <p:pic>
+        <p:nvPicPr>
+          <p:cNvPr id="1026" name="Picture 2">
+            <a:extLst>
+              <a:ext uri="{FF2B5EF4-FFF2-40B4-BE49-F238E27FC236}">
+                <a16:creationId xmlns:a16="http://schemas.microsoft.com/office/drawing/2014/main" id="{442C4CDD-BE9A-A09C-AA23-A6196546935B}"/>
+              </a:ext>
+            </a:extLst>
+          </p:cNvPr>
+          <p:cNvPicPr>
+            <a:picLocks noChangeAspect="1" noChangeArrowheads="1"/>
+          </p:cNvPicPr>
+          <p:nvPr/>
+        </p:nvPicPr>
+        <p:blipFill>
+          <a:blip r:embed="rId2">
+            <a:extLst>
+              <a:ext uri="{28A0092B-C50C-407E-A947-70E740481C1C}">
+                <a14:useLocalDpi xmlns:a14="http://schemas.microsoft.com/office/drawing/2010/main" val="0"/>
+              </a:ext>
+            </a:extLst>
+          </a:blip>
+          <a:srcRect/>
+          <a:stretch>
+            <a:fillRect/>
+          </a:stretch>
+        </p:blipFill>
+        <p:spPr bwMode="auto">
+          <a:xfrm>
+            <a:off x="3384457" y="360829"/>
+            <a:ext cx="5781675" cy="1905000"/>
+          </a:xfrm>
+          <a:prstGeom prst="rect">
+            <a:avLst/>
+          </a:prstGeom>
+          <a:noFill/>
+          <a:extLst>
+            <a:ext uri="{909E8E84-426E-40DD-AFC4-6F175D3DCCD1}">
+              <a14:hiddenFill xmlns:a14="http://schemas.microsoft.com/office/drawing/2010/main">
+                <a:solidFill>
+                  <a:srgbClr val="FFFFFF"/>
+                </a:solidFill>
+              </a14:hiddenFill>
+            </a:ext>
+          </a:extLst>
+        </p:spPr>
+      </p:pic>
+      <p:sp>
+        <p:nvSpPr>
+          <p:cNvPr id="2" name="Rectangle : coins arrondis 1">
+            <a:extLst>
+              <a:ext uri="{FF2B5EF4-FFF2-40B4-BE49-F238E27FC236}">
+                <a16:creationId xmlns:a16="http://schemas.microsoft.com/office/drawing/2014/main" id="{57C0A7B9-5D2C-07F1-0151-AB4A7F054E5F}"/>
+              </a:ext>
+            </a:extLst>
+          </p:cNvPr>
+          <p:cNvSpPr/>
+          <p:nvPr/>
+        </p:nvSpPr>
+        <p:spPr>
+          <a:xfrm>
+            <a:off x="5728447" y="360829"/>
+            <a:ext cx="3303214" cy="1905000"/>
+          </a:xfrm>
+          <a:prstGeom prst="roundRect">
+            <a:avLst/>
+          </a:prstGeom>
+          <a:solidFill>
+            <a:schemeClr val="bg1"/>
+          </a:solidFill>
+          <a:ln>
+            <a:solidFill>
+              <a:schemeClr val="bg1"/>
+            </a:solidFill>
+          </a:ln>
+        </p:spPr>
+        <p:style>
+          <a:lnRef idx="2">
+            <a:schemeClr val="accent1">
+              <a:shade val="50000"/>
+            </a:schemeClr>
+          </a:lnRef>
+          <a:fillRef idx="1">
+            <a:schemeClr val="accent1"/>
+          </a:fillRef>
+          <a:effectRef idx="0">
+            <a:schemeClr val="accent1"/>
+          </a:effectRef>
+          <a:fontRef idx="minor">
+            <a:schemeClr val="lt1"/>
+          </a:fontRef>
+        </p:style>
+        <p:txBody>
+          <a:bodyPr rtlCol="0" anchor="ctr"/>
+          <a:lstStyle/>
+          <a:p>
+            <a:pPr algn="ctr"/>
+            <a:endParaRPr lang="fr-FR"/>
+          </a:p>
+        </p:txBody>
+      </p:sp>
+      <p:pic>
+        <p:nvPicPr>
+          <p:cNvPr id="4" name="Image 3">
+            <a:extLst>
+              <a:ext uri="{FF2B5EF4-FFF2-40B4-BE49-F238E27FC236}">
+                <a16:creationId xmlns:a16="http://schemas.microsoft.com/office/drawing/2014/main" id="{78828FB8-443F-4CC6-7B55-8D5A9C28CBFE}"/>
+              </a:ext>
+            </a:extLst>
+          </p:cNvPr>
+          <p:cNvPicPr>
+            <a:picLocks noChangeAspect="1"/>
+          </p:cNvPicPr>
+          <p:nvPr/>
+        </p:nvPicPr>
+        <p:blipFill>
+          <a:blip r:embed="rId3"/>
+          <a:stretch>
+            <a:fillRect/>
+          </a:stretch>
+        </p:blipFill>
+        <p:spPr>
+          <a:xfrm>
+            <a:off x="3302105" y="2963291"/>
+            <a:ext cx="5946378" cy="3687049"/>
+          </a:xfrm>
+          <a:prstGeom prst="rect">
+            <a:avLst/>
+          </a:prstGeom>
+        </p:spPr>
+      </p:pic>
+      <p:sp>
+        <p:nvSpPr>
+          <p:cNvPr id="5" name="Rectangle : coins arrondis 4">
+            <a:extLst>
+              <a:ext uri="{FF2B5EF4-FFF2-40B4-BE49-F238E27FC236}">
+                <a16:creationId xmlns:a16="http://schemas.microsoft.com/office/drawing/2014/main" id="{42AB1BF6-2215-D563-352F-402CF79D2487}"/>
+              </a:ext>
+            </a:extLst>
+          </p:cNvPr>
+          <p:cNvSpPr/>
+          <p:nvPr/>
+        </p:nvSpPr>
+        <p:spPr>
+          <a:xfrm>
+            <a:off x="6275294" y="2963291"/>
+            <a:ext cx="3303214" cy="3533880"/>
+          </a:xfrm>
+          <a:prstGeom prst="roundRect">
+            <a:avLst/>
+          </a:prstGeom>
+          <a:solidFill>
+            <a:schemeClr val="bg1"/>
+          </a:solidFill>
+          <a:ln>
+            <a:solidFill>
+              <a:schemeClr val="bg1"/>
+            </a:solidFill>
+          </a:ln>
+        </p:spPr>
+        <p:style>
+          <a:lnRef idx="2">
+            <a:schemeClr val="accent1">
+              <a:shade val="50000"/>
+            </a:schemeClr>
+          </a:lnRef>
+          <a:fillRef idx="1">
+            <a:schemeClr val="accent1"/>
+          </a:fillRef>
+          <a:effectRef idx="0">
+            <a:schemeClr val="accent1"/>
+          </a:effectRef>
+          <a:fontRef idx="minor">
+            <a:schemeClr val="lt1"/>
+          </a:fontRef>
+        </p:style>
+        <p:txBody>
+          <a:bodyPr rtlCol="0" anchor="ctr"/>
+          <a:lstStyle/>
+          <a:p>
+            <a:pPr algn="ctr"/>
+            <a:endParaRPr lang="fr-FR"/>
+          </a:p>
+        </p:txBody>
+      </p:sp>
+      <p:sp>
+        <p:nvSpPr>
+          <p:cNvPr id="6" name="ZoneTexte 5">
+            <a:extLst>
+              <a:ext uri="{FF2B5EF4-FFF2-40B4-BE49-F238E27FC236}">
+                <a16:creationId xmlns:a16="http://schemas.microsoft.com/office/drawing/2014/main" id="{1D0C6B69-26AB-3B9C-CF7C-D899DE2A3B10}"/>
+              </a:ext>
+            </a:extLst>
+          </p:cNvPr>
+          <p:cNvSpPr txBox="1"/>
+          <p:nvPr/>
+        </p:nvSpPr>
+        <p:spPr>
+          <a:xfrm>
+            <a:off x="600635" y="3074894"/>
+            <a:ext cx="1729128" cy="369332"/>
+          </a:xfrm>
+          <a:prstGeom prst="rect">
+            <a:avLst/>
+          </a:prstGeom>
+          <a:noFill/>
+        </p:spPr>
+        <p:txBody>
+          <a:bodyPr wrap="none" rtlCol="0">
+            <a:spAutoFit/>
+          </a:bodyPr>
+          <a:lstStyle/>
+          <a:p>
+            <a:r>
+              <a:rPr lang="fr-FR" dirty="0"/>
+              <a:t>Décrire l’image !</a:t>
+            </a:r>
+          </a:p>
+        </p:txBody>
+      </p:sp>
+    </p:spTree>
+    <p:extLst>
+      <p:ext uri="{BB962C8B-B14F-4D97-AF65-F5344CB8AC3E}">
+        <p14:creationId xmlns:p14="http://schemas.microsoft.com/office/powerpoint/2010/main" val="163726651"/>
+      </p:ext>
+    </p:extLst>
+  </p:cSld>
+  <p:clrMapOvr>
+    <a:masterClrMapping/>
+  </p:clrMapOvr>
+  <p:timing>
+    <p:tnLst>
+      <p:par>
+        <p:cTn id="1" dur="indefinite" restart="never" nodeType="tmRoot">
+          <p:childTnLst>
+            <p:seq concurrent="1" nextAc="seek">
+              <p:cTn id="2" dur="indefinite" nodeType="mainSeq">
+                <p:childTnLst>
+                  <p:par>
+                    <p:cTn id="3" fill="hold">
+                      <p:stCondLst>
+                        <p:cond delay="indefinite"/>
+                      </p:stCondLst>
+                      <p:childTnLst>
+                        <p:par>
+                          <p:cTn id="4" fill="hold">
+                            <p:stCondLst>
+                              <p:cond delay="0"/>
+                            </p:stCondLst>
+                            <p:childTnLst>
+                              <p:par>
+                                <p:cTn id="5" presetID="10" presetClass="exit" presetSubtype="0" fill="hold" grpId="0" nodeType="clickEffect">
+                                  <p:stCondLst>
+                                    <p:cond delay="0"/>
+                                  </p:stCondLst>
+                                  <p:childTnLst>
+                                    <p:animEffect transition="out" filter="fade">
+                                      <p:cBhvr>
+                                        <p:cTn id="6" dur="500"/>
+                                        <p:tgtEl>
+                                          <p:spTgt spid="2"/>
+                                        </p:tgtEl>
+                                      </p:cBhvr>
+                                    </p:animEffect>
+                                    <p:set>
+                                      <p:cBhvr>
+                                        <p:cTn id="7" dur="1" fill="hold">
+                                          <p:stCondLst>
+                                            <p:cond delay="499"/>
+                                          </p:stCondLst>
+                                        </p:cTn>
+                                        <p:tgtEl>
+                                          <p:spTgt spid="2"/>
+                                        </p:tgtEl>
+                                        <p:attrNameLst>
+                                          <p:attrName>style.visibility</p:attrName>
+                                        </p:attrNameLst>
+                                      </p:cBhvr>
+                                      <p:to>
+                                        <p:strVal val="hidden"/>
+                                      </p:to>
+                                    </p:set>
+                                  </p:childTnLst>
+                                </p:cTn>
+                              </p:par>
+                            </p:childTnLst>
+                          </p:cTn>
+                        </p:par>
+                      </p:childTnLst>
+                    </p:cTn>
+                  </p:par>
+                  <p:par>
+                    <p:cTn id="8" fill="hold">
+                      <p:stCondLst>
+                        <p:cond delay="indefinite"/>
+                      </p:stCondLst>
+                      <p:childTnLst>
+                        <p:par>
+                          <p:cTn id="9" fill="hold">
+                            <p:stCondLst>
+                              <p:cond delay="0"/>
+                            </p:stCondLst>
+                            <p:childTnLst>
+                              <p:par>
+                                <p:cTn id="10" presetID="10" presetClass="exit" presetSubtype="0" fill="hold" grpId="0" nodeType="clickEffect">
+                                  <p:stCondLst>
+                                    <p:cond delay="0"/>
+                                  </p:stCondLst>
+                                  <p:childTnLst>
+                                    <p:animEffect transition="out" filter="fade">
+                                      <p:cBhvr>
+                                        <p:cTn id="11" dur="500"/>
+                                        <p:tgtEl>
+                                          <p:spTgt spid="5"/>
+                                        </p:tgtEl>
+                                      </p:cBhvr>
+                                    </p:animEffect>
+                                    <p:set>
+                                      <p:cBhvr>
+                                        <p:cTn id="12" dur="1" fill="hold">
+                                          <p:stCondLst>
+                                            <p:cond delay="499"/>
+                                          </p:stCondLst>
+                                        </p:cTn>
+                                        <p:tgtEl>
+                                          <p:spTgt spid="5"/>
+                                        </p:tgtEl>
+                                        <p:attrNameLst>
+                                          <p:attrName>style.visibility</p:attrName>
+                                        </p:attrNameLst>
+                                      </p:cBhvr>
+                                      <p:to>
+                                        <p:strVal val="hidden"/>
+                                      </p:to>
+                                    </p:set>
+                                  </p:childTnLst>
+                                </p:cTn>
+                              </p:par>
+                            </p:childTnLst>
+                          </p:cTn>
+                        </p:par>
+                      </p:childTnLst>
+                    </p:cTn>
+                  </p:par>
+                </p:childTnLst>
+              </p:cTn>
+              <p:prevCondLst>
+                <p:cond evt="onPrev" delay="0">
+                  <p:tgtEl>
+                    <p:sldTgt/>
+                  </p:tgtEl>
+                </p:cond>
+              </p:prevCondLst>
+              <p:nextCondLst>
+                <p:cond evt="onNext" delay="0">
+                  <p:tgtEl>
+                    <p:sldTgt/>
+                  </p:tgtEl>
+                </p:cond>
+              </p:nextCondLst>
+            </p:seq>
+          </p:childTnLst>
+        </p:cTn>
+      </p:par>
+    </p:tnLst>
+    <p:bldLst>
+      <p:bldP spid="2" grpId="0" animBg="1"/>
+      <p:bldP spid="5" grpId="0" animBg="1"/>
+    </p:bldLst>
+  </p:timing>
+</p:sld>
+</file>
+
+<file path=ppt/slides/slide11.xml><?xml version="1.0" encoding="utf-8"?>
+<p:sld xmlns:a="http://schemas.openxmlformats.org/drawingml/2006/main" xmlns:r="http://schemas.openxmlformats.org/officeDocument/2006/relationships" xmlns:p="http://schemas.openxmlformats.org/presentationml/2006/main">
+  <p:cSld>
+    <p:spTree>
+      <p:nvGrpSpPr>
+        <p:cNvPr id="1" name=""/>
+        <p:cNvGrpSpPr/>
+        <p:nvPr/>
+      </p:nvGrpSpPr>
+      <p:grpSpPr>
+        <a:xfrm>
+          <a:off x="0" y="0"/>
+          <a:ext cx="0" cy="0"/>
+          <a:chOff x="0" y="0"/>
+          <a:chExt cx="0" cy="0"/>
+        </a:xfrm>
+      </p:grpSpPr>
+      <p:sp>
+        <p:nvSpPr>
+          <p:cNvPr id="2" name="Titre 1">
+            <a:extLst>
+              <a:ext uri="{FF2B5EF4-FFF2-40B4-BE49-F238E27FC236}">
+                <a16:creationId xmlns:a16="http://schemas.microsoft.com/office/drawing/2014/main" id="{013DC938-C6AA-486B-92DD-DA45EBD10454}"/>
+              </a:ext>
+            </a:extLst>
+          </p:cNvPr>
+          <p:cNvSpPr>
+            <a:spLocks noGrp="1"/>
+          </p:cNvSpPr>
+          <p:nvPr>
+            <p:ph type="title"/>
+          </p:nvPr>
+        </p:nvSpPr>
+        <p:spPr/>
+        <p:txBody>
+          <a:bodyPr/>
+          <a:lstStyle/>
+          <a:p>
+            <a:pPr algn="ctr"/>
+            <a:r>
+              <a:rPr lang="fr-FR" dirty="0"/>
+              <a:t>Analyse des Correspondances</a:t>
+            </a:r>
+            <a:br>
+              <a:rPr lang="fr-FR" dirty="0"/>
+            </a:br>
+            <a:r>
+              <a:rPr lang="fr-FR" dirty="0"/>
+              <a:t>Multiples (ACM)</a:t>
+            </a:r>
+          </a:p>
+        </p:txBody>
+      </p:sp>
+      <p:sp>
+        <p:nvSpPr>
+          <p:cNvPr id="3" name="Espace réservé du texte 2">
+            <a:extLst>
+              <a:ext uri="{FF2B5EF4-FFF2-40B4-BE49-F238E27FC236}">
+                <a16:creationId xmlns:a16="http://schemas.microsoft.com/office/drawing/2014/main" id="{7336EB3D-5AED-50DA-891E-FE6F3699AE45}"/>
+              </a:ext>
+            </a:extLst>
+          </p:cNvPr>
+          <p:cNvSpPr>
+            <a:spLocks noGrp="1"/>
+          </p:cNvSpPr>
+          <p:nvPr>
+            <p:ph type="body" idx="1"/>
+          </p:nvPr>
+        </p:nvSpPr>
+        <p:spPr/>
+        <p:txBody>
+          <a:bodyPr/>
+          <a:lstStyle/>
+          <a:p>
+            <a:endParaRPr lang="fr-FR"/>
+          </a:p>
+        </p:txBody>
+      </p:sp>
+    </p:spTree>
+    <p:extLst>
+      <p:ext uri="{BB962C8B-B14F-4D97-AF65-F5344CB8AC3E}">
+        <p14:creationId xmlns:p14="http://schemas.microsoft.com/office/powerpoint/2010/main" val="3585219175"/>
+      </p:ext>
+    </p:extLst>
+  </p:cSld>
+  <p:clrMapOvr>
+    <a:masterClrMapping/>
+  </p:clrMapOvr>
+</p:sld>
+</file>
+
+<file path=ppt/slides/slide12.xml><?xml version="1.0" encoding="utf-8"?>
+<p:sld xmlns:a="http://schemas.openxmlformats.org/drawingml/2006/main" xmlns:r="http://schemas.openxmlformats.org/officeDocument/2006/relationships" xmlns:p="http://schemas.openxmlformats.org/presentationml/2006/main">
+  <p:cSld>
+    <p:spTree>
+      <p:nvGrpSpPr>
+        <p:cNvPr id="1" name=""/>
+        <p:cNvGrpSpPr/>
+        <p:nvPr/>
+      </p:nvGrpSpPr>
+      <p:grpSpPr>
+        <a:xfrm>
+          <a:off x="0" y="0"/>
+          <a:ext cx="0" cy="0"/>
+          <a:chOff x="0" y="0"/>
+          <a:chExt cx="0" cy="0"/>
+        </a:xfrm>
+      </p:grpSpPr>
+      <p:pic>
+        <p:nvPicPr>
+          <p:cNvPr id="3" name="Image 2">
+            <a:extLst>
+              <a:ext uri="{FF2B5EF4-FFF2-40B4-BE49-F238E27FC236}">
+                <a16:creationId xmlns:a16="http://schemas.microsoft.com/office/drawing/2014/main" id="{1287F93E-F562-C192-476F-F4CD3BAAC223}"/>
+              </a:ext>
+            </a:extLst>
+          </p:cNvPr>
+          <p:cNvPicPr>
+            <a:picLocks noChangeAspect="1"/>
+          </p:cNvPicPr>
+          <p:nvPr/>
+        </p:nvPicPr>
+        <p:blipFill>
+          <a:blip r:embed="rId2"/>
+          <a:stretch>
+            <a:fillRect/>
+          </a:stretch>
+        </p:blipFill>
+        <p:spPr>
+          <a:xfrm>
+            <a:off x="1027981" y="0"/>
+            <a:ext cx="10136038" cy="6858000"/>
+          </a:xfrm>
+          <a:prstGeom prst="rect">
+            <a:avLst/>
+          </a:prstGeom>
+        </p:spPr>
+      </p:pic>
+    </p:spTree>
+    <p:extLst>
+      <p:ext uri="{BB962C8B-B14F-4D97-AF65-F5344CB8AC3E}">
+        <p14:creationId xmlns:p14="http://schemas.microsoft.com/office/powerpoint/2010/main" val="1840942453"/>
+      </p:ext>
+    </p:extLst>
+  </p:cSld>
+  <p:clrMapOvr>
+    <a:masterClrMapping/>
+  </p:clrMapOvr>
+</p:sld>
+</file>
+
+<file path=ppt/slides/slide13.xml><?xml version="1.0" encoding="utf-8"?>
+<p:sld xmlns:a="http://schemas.openxmlformats.org/drawingml/2006/main" xmlns:r="http://schemas.openxmlformats.org/officeDocument/2006/relationships" xmlns:p="http://schemas.openxmlformats.org/presentationml/2006/main">
+  <p:cSld>
+    <p:spTree>
+      <p:nvGrpSpPr>
+        <p:cNvPr id="1" name=""/>
+        <p:cNvGrpSpPr/>
+        <p:nvPr/>
+      </p:nvGrpSpPr>
+      <p:grpSpPr>
+        <a:xfrm>
+          <a:off x="0" y="0"/>
+          <a:ext cx="0" cy="0"/>
+          <a:chOff x="0" y="0"/>
+          <a:chExt cx="0" cy="0"/>
+        </a:xfrm>
+      </p:grpSpPr>
+      <p:pic>
+        <p:nvPicPr>
+          <p:cNvPr id="3" name="Image 2">
+            <a:extLst>
+              <a:ext uri="{FF2B5EF4-FFF2-40B4-BE49-F238E27FC236}">
+                <a16:creationId xmlns:a16="http://schemas.microsoft.com/office/drawing/2014/main" id="{57B843FE-E94B-305B-54BE-1EAD29565C9E}"/>
+              </a:ext>
+            </a:extLst>
+          </p:cNvPr>
+          <p:cNvPicPr>
+            <a:picLocks noChangeAspect="1"/>
+          </p:cNvPicPr>
+          <p:nvPr/>
+        </p:nvPicPr>
+        <p:blipFill>
+          <a:blip r:embed="rId2"/>
+          <a:stretch>
+            <a:fillRect/>
+          </a:stretch>
+        </p:blipFill>
+        <p:spPr>
+          <a:xfrm>
+            <a:off x="1027792" y="0"/>
+            <a:ext cx="10136416" cy="6858000"/>
+          </a:xfrm>
+          <a:prstGeom prst="rect">
+            <a:avLst/>
+          </a:prstGeom>
+        </p:spPr>
+      </p:pic>
+    </p:spTree>
+    <p:extLst>
+      <p:ext uri="{BB962C8B-B14F-4D97-AF65-F5344CB8AC3E}">
+        <p14:creationId xmlns:p14="http://schemas.microsoft.com/office/powerpoint/2010/main" val="2245034211"/>
+      </p:ext>
+    </p:extLst>
+  </p:cSld>
+  <p:clrMapOvr>
+    <a:masterClrMapping/>
+  </p:clrMapOvr>
+</p:sld>
+</file>
+
+<file path=ppt/slides/slide14.xml><?xml version="1.0" encoding="utf-8"?>
+<p:sld xmlns:a="http://schemas.openxmlformats.org/drawingml/2006/main" xmlns:r="http://schemas.openxmlformats.org/officeDocument/2006/relationships" xmlns:p="http://schemas.openxmlformats.org/presentationml/2006/main">
+  <p:cSld>
+    <p:spTree>
+      <p:nvGrpSpPr>
+        <p:cNvPr id="1" name=""/>
+        <p:cNvGrpSpPr/>
+        <p:nvPr/>
+      </p:nvGrpSpPr>
+      <p:grpSpPr>
+        <a:xfrm>
+          <a:off x="0" y="0"/>
+          <a:ext cx="0" cy="0"/>
+          <a:chOff x="0" y="0"/>
+          <a:chExt cx="0" cy="0"/>
+        </a:xfrm>
+      </p:grpSpPr>
+      <p:pic>
+        <p:nvPicPr>
+          <p:cNvPr id="3" name="Image 2">
+            <a:extLst>
+              <a:ext uri="{FF2B5EF4-FFF2-40B4-BE49-F238E27FC236}">
+                <a16:creationId xmlns:a16="http://schemas.microsoft.com/office/drawing/2014/main" id="{31254B8D-599B-90A5-791E-3D61649A56A8}"/>
+              </a:ext>
+            </a:extLst>
+          </p:cNvPr>
+          <p:cNvPicPr>
+            <a:picLocks noChangeAspect="1"/>
+          </p:cNvPicPr>
+          <p:nvPr/>
+        </p:nvPicPr>
+        <p:blipFill>
+          <a:blip r:embed="rId2"/>
+          <a:stretch>
+            <a:fillRect/>
+          </a:stretch>
+        </p:blipFill>
+        <p:spPr>
+          <a:xfrm>
+            <a:off x="993683" y="0"/>
+            <a:ext cx="10204634" cy="6858000"/>
+          </a:xfrm>
+          <a:prstGeom prst="rect">
+            <a:avLst/>
+          </a:prstGeom>
+        </p:spPr>
+      </p:pic>
+    </p:spTree>
+    <p:extLst>
+      <p:ext uri="{BB962C8B-B14F-4D97-AF65-F5344CB8AC3E}">
+        <p14:creationId xmlns:p14="http://schemas.microsoft.com/office/powerpoint/2010/main" val="3169783296"/>
+      </p:ext>
+    </p:extLst>
+  </p:cSld>
+  <p:clrMapOvr>
+    <a:masterClrMapping/>
+  </p:clrMapOvr>
+</p:sld>
+</file>
+
+<file path=ppt/slides/slide15.xml><?xml version="1.0" encoding="utf-8"?>
+<p:sld xmlns:a="http://schemas.openxmlformats.org/drawingml/2006/main" xmlns:r="http://schemas.openxmlformats.org/officeDocument/2006/relationships" xmlns:p="http://schemas.openxmlformats.org/presentationml/2006/main">
+  <p:cSld>
+    <p:spTree>
+      <p:nvGrpSpPr>
+        <p:cNvPr id="1" name=""/>
+        <p:cNvGrpSpPr/>
+        <p:nvPr/>
+      </p:nvGrpSpPr>
+      <p:grpSpPr>
+        <a:xfrm>
+          <a:off x="0" y="0"/>
+          <a:ext cx="0" cy="0"/>
+          <a:chOff x="0" y="0"/>
+          <a:chExt cx="0" cy="0"/>
+        </a:xfrm>
+      </p:grpSpPr>
+      <p:pic>
+        <p:nvPicPr>
+          <p:cNvPr id="3" name="Image 2">
+            <a:extLst>
+              <a:ext uri="{FF2B5EF4-FFF2-40B4-BE49-F238E27FC236}">
+                <a16:creationId xmlns:a16="http://schemas.microsoft.com/office/drawing/2014/main" id="{0030D4A4-F214-7B8B-339C-5B3913486DDE}"/>
+              </a:ext>
+            </a:extLst>
+          </p:cNvPr>
+          <p:cNvPicPr>
+            <a:picLocks noChangeAspect="1"/>
+          </p:cNvPicPr>
+          <p:nvPr/>
+        </p:nvPicPr>
+        <p:blipFill>
+          <a:blip r:embed="rId2"/>
+          <a:stretch>
+            <a:fillRect/>
+          </a:stretch>
+        </p:blipFill>
+        <p:spPr>
+          <a:xfrm>
+            <a:off x="1573516" y="0"/>
+            <a:ext cx="9044967" cy="6858000"/>
+          </a:xfrm>
+          <a:prstGeom prst="rect">
+            <a:avLst/>
+          </a:prstGeom>
+        </p:spPr>
+      </p:pic>
+    </p:spTree>
+    <p:extLst>
+      <p:ext uri="{BB962C8B-B14F-4D97-AF65-F5344CB8AC3E}">
+        <p14:creationId xmlns:p14="http://schemas.microsoft.com/office/powerpoint/2010/main" val="3305903549"/>
+      </p:ext>
+    </p:extLst>
+  </p:cSld>
+  <p:clrMapOvr>
+    <a:masterClrMapping/>
+  </p:clrMapOvr>
+</p:sld>
+</file>
+
+<file path=ppt/slides/slide16.xml><?xml version="1.0" encoding="utf-8"?>
+<p:sld xmlns:a="http://schemas.openxmlformats.org/drawingml/2006/main" xmlns:r="http://schemas.openxmlformats.org/officeDocument/2006/relationships" xmlns:p="http://schemas.openxmlformats.org/presentationml/2006/main">
+  <p:cSld>
+    <p:spTree>
+      <p:nvGrpSpPr>
+        <p:cNvPr id="1" name=""/>
+        <p:cNvGrpSpPr/>
+        <p:nvPr/>
+      </p:nvGrpSpPr>
+      <p:grpSpPr>
+        <a:xfrm>
+          <a:off x="0" y="0"/>
+          <a:ext cx="0" cy="0"/>
+          <a:chOff x="0" y="0"/>
+          <a:chExt cx="0" cy="0"/>
+        </a:xfrm>
+      </p:grpSpPr>
+      <p:pic>
+        <p:nvPicPr>
+          <p:cNvPr id="3" name="Image 2">
+            <a:extLst>
+              <a:ext uri="{FF2B5EF4-FFF2-40B4-BE49-F238E27FC236}">
+                <a16:creationId xmlns:a16="http://schemas.microsoft.com/office/drawing/2014/main" id="{5539674A-E416-2F3E-B5F3-F4D3C1838D56}"/>
+              </a:ext>
+            </a:extLst>
+          </p:cNvPr>
+          <p:cNvPicPr>
+            <a:picLocks noChangeAspect="1"/>
+          </p:cNvPicPr>
+          <p:nvPr/>
+        </p:nvPicPr>
+        <p:blipFill>
+          <a:blip r:embed="rId2"/>
+          <a:stretch>
+            <a:fillRect/>
+          </a:stretch>
+        </p:blipFill>
+        <p:spPr>
+          <a:xfrm>
+            <a:off x="1573516" y="0"/>
+            <a:ext cx="9044967" cy="6858000"/>
+          </a:xfrm>
+          <a:prstGeom prst="rect">
+            <a:avLst/>
+          </a:prstGeom>
+        </p:spPr>
+      </p:pic>
+    </p:spTree>
+    <p:extLst>
+      <p:ext uri="{BB962C8B-B14F-4D97-AF65-F5344CB8AC3E}">
+        <p14:creationId xmlns:p14="http://schemas.microsoft.com/office/powerpoint/2010/main" val="2313080245"/>
+      </p:ext>
+    </p:extLst>
+  </p:cSld>
+  <p:clrMapOvr>
+    <a:masterClrMapping/>
+  </p:clrMapOvr>
+</p:sld>
+</file>
+
+<file path=ppt/slides/slide17.xml><?xml version="1.0" encoding="utf-8"?>
+<p:sld xmlns:a="http://schemas.openxmlformats.org/drawingml/2006/main" xmlns:r="http://schemas.openxmlformats.org/officeDocument/2006/relationships" xmlns:p="http://schemas.openxmlformats.org/presentationml/2006/main">
+  <p:cSld>
+    <p:spTree>
+      <p:nvGrpSpPr>
+        <p:cNvPr id="1" name=""/>
+        <p:cNvGrpSpPr/>
+        <p:nvPr/>
+      </p:nvGrpSpPr>
+      <p:grpSpPr>
+        <a:xfrm>
+          <a:off x="0" y="0"/>
+          <a:ext cx="0" cy="0"/>
+          <a:chOff x="0" y="0"/>
+          <a:chExt cx="0" cy="0"/>
+        </a:xfrm>
+      </p:grpSpPr>
+      <p:sp>
+        <p:nvSpPr>
+          <p:cNvPr id="2" name="Titre 1">
+            <a:extLst>
+              <a:ext uri="{FF2B5EF4-FFF2-40B4-BE49-F238E27FC236}">
+                <a16:creationId xmlns:a16="http://schemas.microsoft.com/office/drawing/2014/main" id="{013DC938-C6AA-486B-92DD-DA45EBD10454}"/>
+              </a:ext>
+            </a:extLst>
+          </p:cNvPr>
+          <p:cNvSpPr>
+            <a:spLocks noGrp="1"/>
+          </p:cNvSpPr>
+          <p:nvPr>
+            <p:ph type="title"/>
+          </p:nvPr>
+        </p:nvSpPr>
+        <p:spPr/>
+        <p:txBody>
+          <a:bodyPr/>
+          <a:lstStyle/>
+          <a:p>
+            <a:pPr algn="ctr"/>
+            <a:r>
+              <a:rPr lang="fr-FR" dirty="0"/>
+              <a:t>Classification ascendante hiérarchique (CAH)</a:t>
+            </a:r>
+          </a:p>
+        </p:txBody>
+      </p:sp>
+      <p:sp>
+        <p:nvSpPr>
+          <p:cNvPr id="3" name="Espace réservé du texte 2">
+            <a:extLst>
+              <a:ext uri="{FF2B5EF4-FFF2-40B4-BE49-F238E27FC236}">
+                <a16:creationId xmlns:a16="http://schemas.microsoft.com/office/drawing/2014/main" id="{7336EB3D-5AED-50DA-891E-FE6F3699AE45}"/>
+              </a:ext>
+            </a:extLst>
+          </p:cNvPr>
+          <p:cNvSpPr>
+            <a:spLocks noGrp="1"/>
+          </p:cNvSpPr>
+          <p:nvPr>
+            <p:ph type="body" idx="1"/>
+          </p:nvPr>
+        </p:nvSpPr>
+        <p:spPr/>
+        <p:txBody>
+          <a:bodyPr/>
+          <a:lstStyle/>
+          <a:p>
+            <a:endParaRPr lang="fr-FR"/>
+          </a:p>
+        </p:txBody>
+      </p:sp>
+    </p:spTree>
+    <p:extLst>
+      <p:ext uri="{BB962C8B-B14F-4D97-AF65-F5344CB8AC3E}">
+        <p14:creationId xmlns:p14="http://schemas.microsoft.com/office/powerpoint/2010/main" val="3517282412"/>
+      </p:ext>
+    </p:extLst>
+  </p:cSld>
+  <p:clrMapOvr>
+    <a:masterClrMapping/>
+  </p:clrMapOvr>
+</p:sld>
+</file>
+
+<file path=ppt/slides/slide18.xml><?xml version="1.0" encoding="utf-8"?>
+<p:sld xmlns:a="http://schemas.openxmlformats.org/drawingml/2006/main" xmlns:r="http://schemas.openxmlformats.org/officeDocument/2006/relationships" xmlns:p="http://schemas.openxmlformats.org/presentationml/2006/main">
+  <p:cSld>
+    <p:spTree>
+      <p:nvGrpSpPr>
+        <p:cNvPr id="1" name=""/>
+        <p:cNvGrpSpPr/>
+        <p:nvPr/>
+      </p:nvGrpSpPr>
+      <p:grpSpPr>
+        <a:xfrm>
+          <a:off x="0" y="0"/>
+          <a:ext cx="0" cy="0"/>
+          <a:chOff x="0" y="0"/>
+          <a:chExt cx="0" cy="0"/>
+        </a:xfrm>
+      </p:grpSpPr>
+      <p:pic>
+        <p:nvPicPr>
+          <p:cNvPr id="3" name="Image 2">
+            <a:extLst>
+              <a:ext uri="{FF2B5EF4-FFF2-40B4-BE49-F238E27FC236}">
+                <a16:creationId xmlns:a16="http://schemas.microsoft.com/office/drawing/2014/main" id="{385C90E0-5829-9A0B-CEE8-21352C7A878F}"/>
+              </a:ext>
+            </a:extLst>
+          </p:cNvPr>
+          <p:cNvPicPr>
+            <a:picLocks noChangeAspect="1"/>
+          </p:cNvPicPr>
+          <p:nvPr/>
+        </p:nvPicPr>
+        <p:blipFill>
+          <a:blip r:embed="rId2"/>
+          <a:stretch>
+            <a:fillRect/>
+          </a:stretch>
+        </p:blipFill>
+        <p:spPr>
+          <a:xfrm>
+            <a:off x="790073" y="0"/>
+            <a:ext cx="10611853" cy="6858000"/>
+          </a:xfrm>
+          <a:prstGeom prst="rect">
+            <a:avLst/>
+          </a:prstGeom>
+        </p:spPr>
+      </p:pic>
+    </p:spTree>
+    <p:extLst>
+      <p:ext uri="{BB962C8B-B14F-4D97-AF65-F5344CB8AC3E}">
+        <p14:creationId xmlns:p14="http://schemas.microsoft.com/office/powerpoint/2010/main" val="1201756097"/>
+      </p:ext>
+    </p:extLst>
+  </p:cSld>
+  <p:clrMapOvr>
+    <a:masterClrMapping/>
+  </p:clrMapOvr>
+</p:sld>
+</file>
+
+<file path=ppt/slides/slide19.xml><?xml version="1.0" encoding="utf-8"?>
+<p:sld xmlns:a="http://schemas.openxmlformats.org/drawingml/2006/main" xmlns:r="http://schemas.openxmlformats.org/officeDocument/2006/relationships" xmlns:p="http://schemas.openxmlformats.org/presentationml/2006/main">
+  <p:cSld>
+    <p:spTree>
+      <p:nvGrpSpPr>
+        <p:cNvPr id="1" name=""/>
+        <p:cNvGrpSpPr/>
+        <p:nvPr/>
+      </p:nvGrpSpPr>
+      <p:grpSpPr>
+        <a:xfrm>
+          <a:off x="0" y="0"/>
+          <a:ext cx="0" cy="0"/>
+          <a:chOff x="0" y="0"/>
+          <a:chExt cx="0" cy="0"/>
+        </a:xfrm>
+      </p:grpSpPr>
+      <p:pic>
+        <p:nvPicPr>
+          <p:cNvPr id="3" name="Image 2">
+            <a:extLst>
+              <a:ext uri="{FF2B5EF4-FFF2-40B4-BE49-F238E27FC236}">
+                <a16:creationId xmlns:a16="http://schemas.microsoft.com/office/drawing/2014/main" id="{F2A3B451-5A10-88A0-5A6E-A0EE3791560F}"/>
+              </a:ext>
+            </a:extLst>
+          </p:cNvPr>
+          <p:cNvPicPr>
+            <a:picLocks noChangeAspect="1"/>
+          </p:cNvPicPr>
+          <p:nvPr/>
+        </p:nvPicPr>
+        <p:blipFill>
+          <a:blip r:embed="rId2"/>
+          <a:stretch>
+            <a:fillRect/>
+          </a:stretch>
+        </p:blipFill>
+        <p:spPr>
+          <a:xfrm>
+            <a:off x="1438134" y="0"/>
+            <a:ext cx="9315731" cy="6858000"/>
+          </a:xfrm>
+          <a:prstGeom prst="rect">
+            <a:avLst/>
+          </a:prstGeom>
+        </p:spPr>
+      </p:pic>
+    </p:spTree>
+    <p:extLst>
+      <p:ext uri="{BB962C8B-B14F-4D97-AF65-F5344CB8AC3E}">
+        <p14:creationId xmlns:p14="http://schemas.microsoft.com/office/powerpoint/2010/main" val="4063943435"/>
       </p:ext>
     </p:extLst>
   </p:cSld>
@@ -4013,6 +5024,1672 @@
 </p:sld>
 </file>
 
+<file path=ppt/slides/slide20.xml><?xml version="1.0" encoding="utf-8"?>
+<p:sld xmlns:a="http://schemas.openxmlformats.org/drawingml/2006/main" xmlns:r="http://schemas.openxmlformats.org/officeDocument/2006/relationships" xmlns:p="http://schemas.openxmlformats.org/presentationml/2006/main">
+  <p:cSld>
+    <p:spTree>
+      <p:nvGrpSpPr>
+        <p:cNvPr id="1" name=""/>
+        <p:cNvGrpSpPr/>
+        <p:nvPr/>
+      </p:nvGrpSpPr>
+      <p:grpSpPr>
+        <a:xfrm>
+          <a:off x="0" y="0"/>
+          <a:ext cx="0" cy="0"/>
+          <a:chOff x="0" y="0"/>
+          <a:chExt cx="0" cy="0"/>
+        </a:xfrm>
+      </p:grpSpPr>
+      <p:pic>
+        <p:nvPicPr>
+          <p:cNvPr id="3" name="Image 2">
+            <a:extLst>
+              <a:ext uri="{FF2B5EF4-FFF2-40B4-BE49-F238E27FC236}">
+                <a16:creationId xmlns:a16="http://schemas.microsoft.com/office/drawing/2014/main" id="{F8B07181-422F-583C-7641-FDF2F8752D84}"/>
+              </a:ext>
+            </a:extLst>
+          </p:cNvPr>
+          <p:cNvPicPr>
+            <a:picLocks noChangeAspect="1"/>
+          </p:cNvPicPr>
+          <p:nvPr/>
+        </p:nvPicPr>
+        <p:blipFill>
+          <a:blip r:embed="rId2"/>
+          <a:stretch>
+            <a:fillRect/>
+          </a:stretch>
+        </p:blipFill>
+        <p:spPr>
+          <a:xfrm>
+            <a:off x="1413524" y="0"/>
+            <a:ext cx="9364951" cy="6858000"/>
+          </a:xfrm>
+          <a:prstGeom prst="rect">
+            <a:avLst/>
+          </a:prstGeom>
+        </p:spPr>
+      </p:pic>
+    </p:spTree>
+    <p:extLst>
+      <p:ext uri="{BB962C8B-B14F-4D97-AF65-F5344CB8AC3E}">
+        <p14:creationId xmlns:p14="http://schemas.microsoft.com/office/powerpoint/2010/main" val="4236684297"/>
+      </p:ext>
+    </p:extLst>
+  </p:cSld>
+  <p:clrMapOvr>
+    <a:masterClrMapping/>
+  </p:clrMapOvr>
+</p:sld>
+</file>
+
+<file path=ppt/slides/slide21.xml><?xml version="1.0" encoding="utf-8"?>
+<p:sld xmlns:a="http://schemas.openxmlformats.org/drawingml/2006/main" xmlns:r="http://schemas.openxmlformats.org/officeDocument/2006/relationships" xmlns:p="http://schemas.openxmlformats.org/presentationml/2006/main">
+  <p:cSld>
+    <p:spTree>
+      <p:nvGrpSpPr>
+        <p:cNvPr id="1" name=""/>
+        <p:cNvGrpSpPr/>
+        <p:nvPr/>
+      </p:nvGrpSpPr>
+      <p:grpSpPr>
+        <a:xfrm>
+          <a:off x="0" y="0"/>
+          <a:ext cx="0" cy="0"/>
+          <a:chOff x="0" y="0"/>
+          <a:chExt cx="0" cy="0"/>
+        </a:xfrm>
+      </p:grpSpPr>
+      <p:pic>
+        <p:nvPicPr>
+          <p:cNvPr id="3" name="Image 2">
+            <a:extLst>
+              <a:ext uri="{FF2B5EF4-FFF2-40B4-BE49-F238E27FC236}">
+                <a16:creationId xmlns:a16="http://schemas.microsoft.com/office/drawing/2014/main" id="{271E35F4-4CA9-9A7B-5B5B-2BEB8410BCF1}"/>
+              </a:ext>
+            </a:extLst>
+          </p:cNvPr>
+          <p:cNvPicPr>
+            <a:picLocks noChangeAspect="1"/>
+          </p:cNvPicPr>
+          <p:nvPr/>
+        </p:nvPicPr>
+        <p:blipFill>
+          <a:blip r:embed="rId2"/>
+          <a:stretch>
+            <a:fillRect/>
+          </a:stretch>
+        </p:blipFill>
+        <p:spPr>
+          <a:xfrm>
+            <a:off x="1429339" y="0"/>
+            <a:ext cx="9333322" cy="6858000"/>
+          </a:xfrm>
+          <a:prstGeom prst="rect">
+            <a:avLst/>
+          </a:prstGeom>
+        </p:spPr>
+      </p:pic>
+    </p:spTree>
+    <p:extLst>
+      <p:ext uri="{BB962C8B-B14F-4D97-AF65-F5344CB8AC3E}">
+        <p14:creationId xmlns:p14="http://schemas.microsoft.com/office/powerpoint/2010/main" val="1086312151"/>
+      </p:ext>
+    </p:extLst>
+  </p:cSld>
+  <p:clrMapOvr>
+    <a:masterClrMapping/>
+  </p:clrMapOvr>
+</p:sld>
+</file>
+
+<file path=ppt/slides/slide22.xml><?xml version="1.0" encoding="utf-8"?>
+<p:sld xmlns:a="http://schemas.openxmlformats.org/drawingml/2006/main" xmlns:r="http://schemas.openxmlformats.org/officeDocument/2006/relationships" xmlns:p="http://schemas.openxmlformats.org/presentationml/2006/main">
+  <p:cSld>
+    <p:spTree>
+      <p:nvGrpSpPr>
+        <p:cNvPr id="1" name=""/>
+        <p:cNvGrpSpPr/>
+        <p:nvPr/>
+      </p:nvGrpSpPr>
+      <p:grpSpPr>
+        <a:xfrm>
+          <a:off x="0" y="0"/>
+          <a:ext cx="0" cy="0"/>
+          <a:chOff x="0" y="0"/>
+          <a:chExt cx="0" cy="0"/>
+        </a:xfrm>
+      </p:grpSpPr>
+      <p:pic>
+        <p:nvPicPr>
+          <p:cNvPr id="3" name="Image 2">
+            <a:extLst>
+              <a:ext uri="{FF2B5EF4-FFF2-40B4-BE49-F238E27FC236}">
+                <a16:creationId xmlns:a16="http://schemas.microsoft.com/office/drawing/2014/main" id="{E585AED9-1FDD-9365-93B3-819F77FDEC72}"/>
+              </a:ext>
+            </a:extLst>
+          </p:cNvPr>
+          <p:cNvPicPr>
+            <a:picLocks noChangeAspect="1"/>
+          </p:cNvPicPr>
+          <p:nvPr/>
+        </p:nvPicPr>
+        <p:blipFill>
+          <a:blip r:embed="rId2"/>
+          <a:stretch>
+            <a:fillRect/>
+          </a:stretch>
+        </p:blipFill>
+        <p:spPr>
+          <a:xfrm>
+            <a:off x="1434242" y="0"/>
+            <a:ext cx="9323515" cy="6858000"/>
+          </a:xfrm>
+          <a:prstGeom prst="rect">
+            <a:avLst/>
+          </a:prstGeom>
+        </p:spPr>
+      </p:pic>
+    </p:spTree>
+    <p:extLst>
+      <p:ext uri="{BB962C8B-B14F-4D97-AF65-F5344CB8AC3E}">
+        <p14:creationId xmlns:p14="http://schemas.microsoft.com/office/powerpoint/2010/main" val="4091078848"/>
+      </p:ext>
+    </p:extLst>
+  </p:cSld>
+  <p:clrMapOvr>
+    <a:masterClrMapping/>
+  </p:clrMapOvr>
+</p:sld>
+</file>
+
+<file path=ppt/slides/slide23.xml><?xml version="1.0" encoding="utf-8"?>
+<p:sld xmlns:a="http://schemas.openxmlformats.org/drawingml/2006/main" xmlns:r="http://schemas.openxmlformats.org/officeDocument/2006/relationships" xmlns:p="http://schemas.openxmlformats.org/presentationml/2006/main">
+  <p:cSld>
+    <p:spTree>
+      <p:nvGrpSpPr>
+        <p:cNvPr id="1" name=""/>
+        <p:cNvGrpSpPr/>
+        <p:nvPr/>
+      </p:nvGrpSpPr>
+      <p:grpSpPr>
+        <a:xfrm>
+          <a:off x="0" y="0"/>
+          <a:ext cx="0" cy="0"/>
+          <a:chOff x="0" y="0"/>
+          <a:chExt cx="0" cy="0"/>
+        </a:xfrm>
+      </p:grpSpPr>
+      <p:pic>
+        <p:nvPicPr>
+          <p:cNvPr id="3" name="Image 2">
+            <a:extLst>
+              <a:ext uri="{FF2B5EF4-FFF2-40B4-BE49-F238E27FC236}">
+                <a16:creationId xmlns:a16="http://schemas.microsoft.com/office/drawing/2014/main" id="{C618C0E8-FC03-1D18-F427-461A4BBC96EA}"/>
+              </a:ext>
+            </a:extLst>
+          </p:cNvPr>
+          <p:cNvPicPr>
+            <a:picLocks noChangeAspect="1"/>
+          </p:cNvPicPr>
+          <p:nvPr/>
+        </p:nvPicPr>
+        <p:blipFill>
+          <a:blip r:embed="rId2"/>
+          <a:stretch>
+            <a:fillRect/>
+          </a:stretch>
+        </p:blipFill>
+        <p:spPr>
+          <a:xfrm>
+            <a:off x="892615" y="0"/>
+            <a:ext cx="10406770" cy="6858000"/>
+          </a:xfrm>
+          <a:prstGeom prst="rect">
+            <a:avLst/>
+          </a:prstGeom>
+        </p:spPr>
+      </p:pic>
+    </p:spTree>
+    <p:extLst>
+      <p:ext uri="{BB962C8B-B14F-4D97-AF65-F5344CB8AC3E}">
+        <p14:creationId xmlns:p14="http://schemas.microsoft.com/office/powerpoint/2010/main" val="3592282919"/>
+      </p:ext>
+    </p:extLst>
+  </p:cSld>
+  <p:clrMapOvr>
+    <a:masterClrMapping/>
+  </p:clrMapOvr>
+</p:sld>
+</file>
+
+<file path=ppt/slides/slide24.xml><?xml version="1.0" encoding="utf-8"?>
+<p:sld xmlns:a="http://schemas.openxmlformats.org/drawingml/2006/main" xmlns:r="http://schemas.openxmlformats.org/officeDocument/2006/relationships" xmlns:p="http://schemas.openxmlformats.org/presentationml/2006/main">
+  <p:cSld>
+    <p:spTree>
+      <p:nvGrpSpPr>
+        <p:cNvPr id="1" name=""/>
+        <p:cNvGrpSpPr/>
+        <p:nvPr/>
+      </p:nvGrpSpPr>
+      <p:grpSpPr>
+        <a:xfrm>
+          <a:off x="0" y="0"/>
+          <a:ext cx="0" cy="0"/>
+          <a:chOff x="0" y="0"/>
+          <a:chExt cx="0" cy="0"/>
+        </a:xfrm>
+      </p:grpSpPr>
+      <p:pic>
+        <p:nvPicPr>
+          <p:cNvPr id="3" name="Image 2">
+            <a:extLst>
+              <a:ext uri="{FF2B5EF4-FFF2-40B4-BE49-F238E27FC236}">
+                <a16:creationId xmlns:a16="http://schemas.microsoft.com/office/drawing/2014/main" id="{A5D93BA6-92F2-3EE7-DAE0-3DBE34ABCA12}"/>
+              </a:ext>
+            </a:extLst>
+          </p:cNvPr>
+          <p:cNvPicPr>
+            <a:picLocks noChangeAspect="1"/>
+          </p:cNvPicPr>
+          <p:nvPr/>
+        </p:nvPicPr>
+        <p:blipFill>
+          <a:blip r:embed="rId2"/>
+          <a:stretch>
+            <a:fillRect/>
+          </a:stretch>
+        </p:blipFill>
+        <p:spPr>
+          <a:xfrm>
+            <a:off x="969995" y="0"/>
+            <a:ext cx="10252010" cy="6858000"/>
+          </a:xfrm>
+          <a:prstGeom prst="rect">
+            <a:avLst/>
+          </a:prstGeom>
+        </p:spPr>
+      </p:pic>
+    </p:spTree>
+    <p:extLst>
+      <p:ext uri="{BB962C8B-B14F-4D97-AF65-F5344CB8AC3E}">
+        <p14:creationId xmlns:p14="http://schemas.microsoft.com/office/powerpoint/2010/main" val="3653556610"/>
+      </p:ext>
+    </p:extLst>
+  </p:cSld>
+  <p:clrMapOvr>
+    <a:masterClrMapping/>
+  </p:clrMapOvr>
+</p:sld>
+</file>
+
+<file path=ppt/slides/slide25.xml><?xml version="1.0" encoding="utf-8"?>
+<p:sld xmlns:a="http://schemas.openxmlformats.org/drawingml/2006/main" xmlns:r="http://schemas.openxmlformats.org/officeDocument/2006/relationships" xmlns:p="http://schemas.openxmlformats.org/presentationml/2006/main">
+  <p:cSld>
+    <p:spTree>
+      <p:nvGrpSpPr>
+        <p:cNvPr id="1" name=""/>
+        <p:cNvGrpSpPr/>
+        <p:nvPr/>
+      </p:nvGrpSpPr>
+      <p:grpSpPr>
+        <a:xfrm>
+          <a:off x="0" y="0"/>
+          <a:ext cx="0" cy="0"/>
+          <a:chOff x="0" y="0"/>
+          <a:chExt cx="0" cy="0"/>
+        </a:xfrm>
+      </p:grpSpPr>
+      <p:sp>
+        <p:nvSpPr>
+          <p:cNvPr id="2" name="Titre 1">
+            <a:extLst>
+              <a:ext uri="{FF2B5EF4-FFF2-40B4-BE49-F238E27FC236}">
+                <a16:creationId xmlns:a16="http://schemas.microsoft.com/office/drawing/2014/main" id="{37CA195C-00A3-A1FD-72B4-83EFAFFE22F2}"/>
+              </a:ext>
+            </a:extLst>
+          </p:cNvPr>
+          <p:cNvSpPr>
+            <a:spLocks noGrp="1"/>
+          </p:cNvSpPr>
+          <p:nvPr>
+            <p:ph type="title"/>
+          </p:nvPr>
+        </p:nvSpPr>
+        <p:spPr/>
+        <p:txBody>
+          <a:bodyPr/>
+          <a:lstStyle/>
+          <a:p>
+            <a:r>
+              <a:rPr lang="fr-FR" dirty="0"/>
+              <a:t>Distances</a:t>
+            </a:r>
+          </a:p>
+        </p:txBody>
+      </p:sp>
+      <p:sp>
+        <p:nvSpPr>
+          <p:cNvPr id="3" name="Espace réservé du texte 2">
+            <a:extLst>
+              <a:ext uri="{FF2B5EF4-FFF2-40B4-BE49-F238E27FC236}">
+                <a16:creationId xmlns:a16="http://schemas.microsoft.com/office/drawing/2014/main" id="{A9AC139D-D25E-4CD8-32CE-17FA8884D192}"/>
+              </a:ext>
+            </a:extLst>
+          </p:cNvPr>
+          <p:cNvSpPr>
+            <a:spLocks noGrp="1"/>
+          </p:cNvSpPr>
+          <p:nvPr>
+            <p:ph type="body" idx="1"/>
+          </p:nvPr>
+        </p:nvSpPr>
+        <p:spPr/>
+        <p:txBody>
+          <a:bodyPr/>
+          <a:lstStyle/>
+          <a:p>
+            <a:endParaRPr lang="fr-FR"/>
+          </a:p>
+        </p:txBody>
+      </p:sp>
+    </p:spTree>
+    <p:extLst>
+      <p:ext uri="{BB962C8B-B14F-4D97-AF65-F5344CB8AC3E}">
+        <p14:creationId xmlns:p14="http://schemas.microsoft.com/office/powerpoint/2010/main" val="1952292635"/>
+      </p:ext>
+    </p:extLst>
+  </p:cSld>
+  <p:clrMapOvr>
+    <a:masterClrMapping/>
+  </p:clrMapOvr>
+</p:sld>
+</file>
+
+<file path=ppt/slides/slide26.xml><?xml version="1.0" encoding="utf-8"?>
+<p:sld xmlns:a="http://schemas.openxmlformats.org/drawingml/2006/main" xmlns:r="http://schemas.openxmlformats.org/officeDocument/2006/relationships" xmlns:p="http://schemas.openxmlformats.org/presentationml/2006/main">
+  <p:cSld>
+    <p:spTree>
+      <p:nvGrpSpPr>
+        <p:cNvPr id="1" name=""/>
+        <p:cNvGrpSpPr/>
+        <p:nvPr/>
+      </p:nvGrpSpPr>
+      <p:grpSpPr>
+        <a:xfrm>
+          <a:off x="0" y="0"/>
+          <a:ext cx="0" cy="0"/>
+          <a:chOff x="0" y="0"/>
+          <a:chExt cx="0" cy="0"/>
+        </a:xfrm>
+      </p:grpSpPr>
+      <p:sp>
+        <p:nvSpPr>
+          <p:cNvPr id="2" name="Titre 1">
+            <a:extLst>
+              <a:ext uri="{FF2B5EF4-FFF2-40B4-BE49-F238E27FC236}">
+                <a16:creationId xmlns:a16="http://schemas.microsoft.com/office/drawing/2014/main" id="{313D603C-2DCB-610A-236E-EB2A2986F677}"/>
+              </a:ext>
+            </a:extLst>
+          </p:cNvPr>
+          <p:cNvSpPr>
+            <a:spLocks noGrp="1"/>
+          </p:cNvSpPr>
+          <p:nvPr>
+            <p:ph type="title"/>
+          </p:nvPr>
+        </p:nvSpPr>
+        <p:spPr/>
+        <p:txBody>
+          <a:bodyPr>
+            <a:normAutofit/>
+          </a:bodyPr>
+          <a:lstStyle/>
+          <a:p>
+            <a:r>
+              <a:rPr lang="fr-FR" b="1" i="0" dirty="0">
+                <a:solidFill>
+                  <a:srgbClr val="444444"/>
+                </a:solidFill>
+                <a:effectLst/>
+                <a:latin typeface="Roboto" panose="02000000000000000000" pitchFamily="2" charset="0"/>
+              </a:rPr>
+              <a:t>Distance de Gower (1971)</a:t>
+            </a:r>
+            <a:endParaRPr lang="fr-FR" dirty="0"/>
+          </a:p>
+        </p:txBody>
+      </p:sp>
+      <p:sp>
+        <p:nvSpPr>
+          <p:cNvPr id="4" name="ZoneTexte 3">
+            <a:extLst>
+              <a:ext uri="{FF2B5EF4-FFF2-40B4-BE49-F238E27FC236}">
+                <a16:creationId xmlns:a16="http://schemas.microsoft.com/office/drawing/2014/main" id="{412534B6-2C0C-E0D2-F4A3-F38BA5D366EF}"/>
+              </a:ext>
+            </a:extLst>
+          </p:cNvPr>
+          <p:cNvSpPr txBox="1"/>
+          <p:nvPr/>
+        </p:nvSpPr>
+        <p:spPr>
+          <a:xfrm>
+            <a:off x="811305" y="1690688"/>
+            <a:ext cx="10515600" cy="646331"/>
+          </a:xfrm>
+          <a:prstGeom prst="rect">
+            <a:avLst/>
+          </a:prstGeom>
+          <a:noFill/>
+        </p:spPr>
+        <p:txBody>
+          <a:bodyPr wrap="square">
+            <a:spAutoFit/>
+          </a:bodyPr>
+          <a:lstStyle/>
+          <a:p>
+            <a:r>
+              <a:rPr lang="fr-FR" b="0" i="0" dirty="0">
+                <a:solidFill>
+                  <a:srgbClr val="666666"/>
+                </a:solidFill>
+                <a:effectLst/>
+                <a:latin typeface="Roboto" panose="02000000000000000000" pitchFamily="2" charset="0"/>
+              </a:rPr>
+              <a:t>L’indice de Gower varie entre 0 et 1. Si l’indice vaut 1, les deux individus sont identiques. À l’opposé, s’il vaut 0, les deux individus considérés n’ont pas de point commun.</a:t>
+            </a:r>
+            <a:endParaRPr lang="fr-FR" dirty="0"/>
+          </a:p>
+        </p:txBody>
+      </p:sp>
+      <p:pic>
+        <p:nvPicPr>
+          <p:cNvPr id="6" name="Image 5">
+            <a:extLst>
+              <a:ext uri="{FF2B5EF4-FFF2-40B4-BE49-F238E27FC236}">
+                <a16:creationId xmlns:a16="http://schemas.microsoft.com/office/drawing/2014/main" id="{9DCBA4D7-8B1E-C963-036E-6FCFA5632C7A}"/>
+              </a:ext>
+            </a:extLst>
+          </p:cNvPr>
+          <p:cNvPicPr>
+            <a:picLocks noChangeAspect="1"/>
+          </p:cNvPicPr>
+          <p:nvPr/>
+        </p:nvPicPr>
+        <p:blipFill>
+          <a:blip r:embed="rId2"/>
+          <a:stretch>
+            <a:fillRect/>
+          </a:stretch>
+        </p:blipFill>
+        <p:spPr>
+          <a:xfrm>
+            <a:off x="4386066" y="2466841"/>
+            <a:ext cx="2810267" cy="962159"/>
+          </a:xfrm>
+          <a:prstGeom prst="rect">
+            <a:avLst/>
+          </a:prstGeom>
+        </p:spPr>
+      </p:pic>
+      <p:pic>
+        <p:nvPicPr>
+          <p:cNvPr id="8" name="Image 7">
+            <a:extLst>
+              <a:ext uri="{FF2B5EF4-FFF2-40B4-BE49-F238E27FC236}">
+                <a16:creationId xmlns:a16="http://schemas.microsoft.com/office/drawing/2014/main" id="{CE951678-B2EC-749E-4739-2A58273B799F}"/>
+              </a:ext>
+            </a:extLst>
+          </p:cNvPr>
+          <p:cNvPicPr>
+            <a:picLocks noChangeAspect="1"/>
+          </p:cNvPicPr>
+          <p:nvPr/>
+        </p:nvPicPr>
+        <p:blipFill>
+          <a:blip r:embed="rId3"/>
+          <a:stretch>
+            <a:fillRect/>
+          </a:stretch>
+        </p:blipFill>
+        <p:spPr>
+          <a:xfrm>
+            <a:off x="1188070" y="3301555"/>
+            <a:ext cx="8507012" cy="3191320"/>
+          </a:xfrm>
+          <a:prstGeom prst="rect">
+            <a:avLst/>
+          </a:prstGeom>
+        </p:spPr>
+      </p:pic>
+      <p:sp>
+        <p:nvSpPr>
+          <p:cNvPr id="9" name="Ellipse 8">
+            <a:extLst>
+              <a:ext uri="{FF2B5EF4-FFF2-40B4-BE49-F238E27FC236}">
+                <a16:creationId xmlns:a16="http://schemas.microsoft.com/office/drawing/2014/main" id="{3996E2FA-E7D2-0DD5-A62F-3291C635AD32}"/>
+              </a:ext>
+            </a:extLst>
+          </p:cNvPr>
+          <p:cNvSpPr/>
+          <p:nvPr/>
+        </p:nvSpPr>
+        <p:spPr>
+          <a:xfrm>
+            <a:off x="2572870" y="4525180"/>
+            <a:ext cx="896471" cy="744070"/>
+          </a:xfrm>
+          <a:prstGeom prst="ellipse">
+            <a:avLst/>
+          </a:prstGeom>
+          <a:noFill/>
+          <a:ln>
+            <a:solidFill>
+              <a:schemeClr val="accent6">
+                <a:lumMod val="50000"/>
+              </a:schemeClr>
+            </a:solidFill>
+          </a:ln>
+        </p:spPr>
+        <p:style>
+          <a:lnRef idx="2">
+            <a:schemeClr val="accent1">
+              <a:shade val="50000"/>
+            </a:schemeClr>
+          </a:lnRef>
+          <a:fillRef idx="1">
+            <a:schemeClr val="accent1"/>
+          </a:fillRef>
+          <a:effectRef idx="0">
+            <a:schemeClr val="accent1"/>
+          </a:effectRef>
+          <a:fontRef idx="minor">
+            <a:schemeClr val="lt1"/>
+          </a:fontRef>
+        </p:style>
+        <p:txBody>
+          <a:bodyPr rtlCol="0" anchor="ctr"/>
+          <a:lstStyle/>
+          <a:p>
+            <a:pPr algn="ctr"/>
+            <a:endParaRPr lang="fr-FR"/>
+          </a:p>
+        </p:txBody>
+      </p:sp>
+      <p:sp>
+        <p:nvSpPr>
+          <p:cNvPr id="10" name="Ellipse 9">
+            <a:extLst>
+              <a:ext uri="{FF2B5EF4-FFF2-40B4-BE49-F238E27FC236}">
+                <a16:creationId xmlns:a16="http://schemas.microsoft.com/office/drawing/2014/main" id="{FEC52A6C-47BB-BD69-B551-D8E8A152B4F2}"/>
+              </a:ext>
+            </a:extLst>
+          </p:cNvPr>
+          <p:cNvSpPr/>
+          <p:nvPr/>
+        </p:nvSpPr>
+        <p:spPr>
+          <a:xfrm>
+            <a:off x="4025152" y="4525180"/>
+            <a:ext cx="896471" cy="744070"/>
+          </a:xfrm>
+          <a:prstGeom prst="ellipse">
+            <a:avLst/>
+          </a:prstGeom>
+          <a:noFill/>
+          <a:ln>
+            <a:solidFill>
+              <a:schemeClr val="accent6">
+                <a:lumMod val="50000"/>
+              </a:schemeClr>
+            </a:solidFill>
+          </a:ln>
+        </p:spPr>
+        <p:style>
+          <a:lnRef idx="2">
+            <a:schemeClr val="accent1">
+              <a:shade val="50000"/>
+            </a:schemeClr>
+          </a:lnRef>
+          <a:fillRef idx="1">
+            <a:schemeClr val="accent1"/>
+          </a:fillRef>
+          <a:effectRef idx="0">
+            <a:schemeClr val="accent1"/>
+          </a:effectRef>
+          <a:fontRef idx="minor">
+            <a:schemeClr val="lt1"/>
+          </a:fontRef>
+        </p:style>
+        <p:txBody>
+          <a:bodyPr rtlCol="0" anchor="ctr"/>
+          <a:lstStyle/>
+          <a:p>
+            <a:pPr algn="ctr"/>
+            <a:endParaRPr lang="fr-FR"/>
+          </a:p>
+        </p:txBody>
+      </p:sp>
+    </p:spTree>
+    <p:extLst>
+      <p:ext uri="{BB962C8B-B14F-4D97-AF65-F5344CB8AC3E}">
+        <p14:creationId xmlns:p14="http://schemas.microsoft.com/office/powerpoint/2010/main" val="2575456009"/>
+      </p:ext>
+    </p:extLst>
+  </p:cSld>
+  <p:clrMapOvr>
+    <a:masterClrMapping/>
+  </p:clrMapOvr>
+</p:sld>
+</file>
+
+<file path=ppt/slides/slide27.xml><?xml version="1.0" encoding="utf-8"?>
+<p:sld xmlns:a="http://schemas.openxmlformats.org/drawingml/2006/main" xmlns:r="http://schemas.openxmlformats.org/officeDocument/2006/relationships" xmlns:p="http://schemas.openxmlformats.org/presentationml/2006/main">
+  <p:cSld>
+    <p:spTree>
+      <p:nvGrpSpPr>
+        <p:cNvPr id="1" name=""/>
+        <p:cNvGrpSpPr/>
+        <p:nvPr/>
+      </p:nvGrpSpPr>
+      <p:grpSpPr>
+        <a:xfrm>
+          <a:off x="0" y="0"/>
+          <a:ext cx="0" cy="0"/>
+          <a:chOff x="0" y="0"/>
+          <a:chExt cx="0" cy="0"/>
+        </a:xfrm>
+      </p:grpSpPr>
+      <p:sp>
+        <p:nvSpPr>
+          <p:cNvPr id="2" name="Titre 1">
+            <a:extLst>
+              <a:ext uri="{FF2B5EF4-FFF2-40B4-BE49-F238E27FC236}">
+                <a16:creationId xmlns:a16="http://schemas.microsoft.com/office/drawing/2014/main" id="{313D603C-2DCB-610A-236E-EB2A2986F677}"/>
+              </a:ext>
+            </a:extLst>
+          </p:cNvPr>
+          <p:cNvSpPr>
+            <a:spLocks noGrp="1"/>
+          </p:cNvSpPr>
+          <p:nvPr>
+            <p:ph type="title"/>
+          </p:nvPr>
+        </p:nvSpPr>
+        <p:spPr/>
+        <p:txBody>
+          <a:bodyPr>
+            <a:normAutofit/>
+          </a:bodyPr>
+          <a:lstStyle/>
+          <a:p>
+            <a:r>
+              <a:rPr lang="fr-FR" b="1" i="0" dirty="0">
+                <a:solidFill>
+                  <a:srgbClr val="444444"/>
+                </a:solidFill>
+                <a:effectLst/>
+                <a:latin typeface="Roboto" panose="02000000000000000000" pitchFamily="2" charset="0"/>
+              </a:rPr>
+              <a:t>Distance du </a:t>
+            </a:r>
+            <a:r>
+              <a:rPr lang="el-GR" b="1" i="0" dirty="0">
+                <a:solidFill>
+                  <a:srgbClr val="444444"/>
+                </a:solidFill>
+                <a:effectLst/>
+                <a:latin typeface="Roboto" panose="02000000000000000000" pitchFamily="2" charset="0"/>
+              </a:rPr>
+              <a:t>Φ²</a:t>
+            </a:r>
+            <a:endParaRPr lang="fr-FR" dirty="0"/>
+          </a:p>
+        </p:txBody>
+      </p:sp>
+      <p:pic>
+        <p:nvPicPr>
+          <p:cNvPr id="5" name="Image 4">
+            <a:extLst>
+              <a:ext uri="{FF2B5EF4-FFF2-40B4-BE49-F238E27FC236}">
+                <a16:creationId xmlns:a16="http://schemas.microsoft.com/office/drawing/2014/main" id="{C9229682-2B9F-1655-DAC2-F0B5CD55C550}"/>
+              </a:ext>
+            </a:extLst>
+          </p:cNvPr>
+          <p:cNvPicPr>
+            <a:picLocks noChangeAspect="1"/>
+          </p:cNvPicPr>
+          <p:nvPr/>
+        </p:nvPicPr>
+        <p:blipFill>
+          <a:blip r:embed="rId2"/>
+          <a:stretch>
+            <a:fillRect/>
+          </a:stretch>
+        </p:blipFill>
+        <p:spPr>
+          <a:xfrm>
+            <a:off x="1942520" y="1992956"/>
+            <a:ext cx="8306959" cy="4163006"/>
+          </a:xfrm>
+          <a:prstGeom prst="rect">
+            <a:avLst/>
+          </a:prstGeom>
+        </p:spPr>
+      </p:pic>
+    </p:spTree>
+    <p:extLst>
+      <p:ext uri="{BB962C8B-B14F-4D97-AF65-F5344CB8AC3E}">
+        <p14:creationId xmlns:p14="http://schemas.microsoft.com/office/powerpoint/2010/main" val="1556666504"/>
+      </p:ext>
+    </p:extLst>
+  </p:cSld>
+  <p:clrMapOvr>
+    <a:masterClrMapping/>
+  </p:clrMapOvr>
+</p:sld>
+</file>
+
+<file path=ppt/slides/slide28.xml><?xml version="1.0" encoding="utf-8"?>
+<p:sld xmlns:a="http://schemas.openxmlformats.org/drawingml/2006/main" xmlns:r="http://schemas.openxmlformats.org/officeDocument/2006/relationships" xmlns:p="http://schemas.openxmlformats.org/presentationml/2006/main">
+  <p:cSld>
+    <p:spTree>
+      <p:nvGrpSpPr>
+        <p:cNvPr id="1" name=""/>
+        <p:cNvGrpSpPr/>
+        <p:nvPr/>
+      </p:nvGrpSpPr>
+      <p:grpSpPr>
+        <a:xfrm>
+          <a:off x="0" y="0"/>
+          <a:ext cx="0" cy="0"/>
+          <a:chOff x="0" y="0"/>
+          <a:chExt cx="0" cy="0"/>
+        </a:xfrm>
+      </p:grpSpPr>
+      <p:sp>
+        <p:nvSpPr>
+          <p:cNvPr id="2" name="Titre 1">
+            <a:extLst>
+              <a:ext uri="{FF2B5EF4-FFF2-40B4-BE49-F238E27FC236}">
+                <a16:creationId xmlns:a16="http://schemas.microsoft.com/office/drawing/2014/main" id="{313D603C-2DCB-610A-236E-EB2A2986F677}"/>
+              </a:ext>
+            </a:extLst>
+          </p:cNvPr>
+          <p:cNvSpPr>
+            <a:spLocks noGrp="1"/>
+          </p:cNvSpPr>
+          <p:nvPr>
+            <p:ph type="title"/>
+          </p:nvPr>
+        </p:nvSpPr>
+        <p:spPr/>
+        <p:txBody>
+          <a:bodyPr>
+            <a:normAutofit/>
+          </a:bodyPr>
+          <a:lstStyle/>
+          <a:p>
+            <a:r>
+              <a:rPr lang="fr-FR" b="1" i="0" dirty="0">
+                <a:solidFill>
+                  <a:srgbClr val="444444"/>
+                </a:solidFill>
+                <a:effectLst/>
+                <a:latin typeface="Roboto" panose="02000000000000000000" pitchFamily="2" charset="0"/>
+              </a:rPr>
+              <a:t>Distance du </a:t>
+            </a:r>
+            <a:r>
+              <a:rPr lang="el-GR" b="1" i="0" dirty="0">
+                <a:solidFill>
+                  <a:srgbClr val="444444"/>
+                </a:solidFill>
+                <a:effectLst/>
+                <a:latin typeface="Roboto" panose="02000000000000000000" pitchFamily="2" charset="0"/>
+              </a:rPr>
+              <a:t>Φ²</a:t>
+            </a:r>
+            <a:endParaRPr lang="fr-FR" dirty="0"/>
+          </a:p>
+        </p:txBody>
+      </p:sp>
+      <p:pic>
+        <p:nvPicPr>
+          <p:cNvPr id="4" name="Image 3">
+            <a:extLst>
+              <a:ext uri="{FF2B5EF4-FFF2-40B4-BE49-F238E27FC236}">
+                <a16:creationId xmlns:a16="http://schemas.microsoft.com/office/drawing/2014/main" id="{C4F4A7AB-E049-C2D7-138F-03811ED47A40}"/>
+              </a:ext>
+            </a:extLst>
+          </p:cNvPr>
+          <p:cNvPicPr>
+            <a:picLocks noChangeAspect="1"/>
+          </p:cNvPicPr>
+          <p:nvPr/>
+        </p:nvPicPr>
+        <p:blipFill>
+          <a:blip r:embed="rId2"/>
+          <a:stretch>
+            <a:fillRect/>
+          </a:stretch>
+        </p:blipFill>
+        <p:spPr>
+          <a:xfrm>
+            <a:off x="1894888" y="1599466"/>
+            <a:ext cx="8402223" cy="5258534"/>
+          </a:xfrm>
+          <a:prstGeom prst="rect">
+            <a:avLst/>
+          </a:prstGeom>
+        </p:spPr>
+      </p:pic>
+      <p:sp>
+        <p:nvSpPr>
+          <p:cNvPr id="6" name="Rectangle : coins arrondis 5">
+            <a:extLst>
+              <a:ext uri="{FF2B5EF4-FFF2-40B4-BE49-F238E27FC236}">
+                <a16:creationId xmlns:a16="http://schemas.microsoft.com/office/drawing/2014/main" id="{1770D2C7-AD96-9E21-DCED-68A43886F776}"/>
+              </a:ext>
+            </a:extLst>
+          </p:cNvPr>
+          <p:cNvSpPr/>
+          <p:nvPr/>
+        </p:nvSpPr>
+        <p:spPr>
+          <a:xfrm>
+            <a:off x="2447365" y="1599466"/>
+            <a:ext cx="806823" cy="310016"/>
+          </a:xfrm>
+          <a:prstGeom prst="roundRect">
+            <a:avLst/>
+          </a:prstGeom>
+          <a:solidFill>
+            <a:srgbClr val="FF0000">
+              <a:alpha val="13000"/>
+            </a:srgbClr>
+          </a:solidFill>
+          <a:ln>
+            <a:solidFill>
+              <a:schemeClr val="accent2">
+                <a:lumMod val="75000"/>
+              </a:schemeClr>
+            </a:solidFill>
+          </a:ln>
+        </p:spPr>
+        <p:style>
+          <a:lnRef idx="2">
+            <a:schemeClr val="accent1">
+              <a:shade val="50000"/>
+            </a:schemeClr>
+          </a:lnRef>
+          <a:fillRef idx="1">
+            <a:schemeClr val="accent1"/>
+          </a:fillRef>
+          <a:effectRef idx="0">
+            <a:schemeClr val="accent1"/>
+          </a:effectRef>
+          <a:fontRef idx="minor">
+            <a:schemeClr val="lt1"/>
+          </a:fontRef>
+        </p:style>
+        <p:txBody>
+          <a:bodyPr rtlCol="0" anchor="ctr"/>
+          <a:lstStyle/>
+          <a:p>
+            <a:pPr algn="ctr"/>
+            <a:endParaRPr lang="fr-FR" dirty="0"/>
+          </a:p>
+        </p:txBody>
+      </p:sp>
+      <p:sp>
+        <p:nvSpPr>
+          <p:cNvPr id="7" name="Rectangle : coins arrondis 6">
+            <a:extLst>
+              <a:ext uri="{FF2B5EF4-FFF2-40B4-BE49-F238E27FC236}">
+                <a16:creationId xmlns:a16="http://schemas.microsoft.com/office/drawing/2014/main" id="{9B120DE0-1B94-2E33-8FCB-FDCF0599CF7C}"/>
+              </a:ext>
+            </a:extLst>
+          </p:cNvPr>
+          <p:cNvSpPr/>
+          <p:nvPr/>
+        </p:nvSpPr>
+        <p:spPr>
+          <a:xfrm>
+            <a:off x="2447364" y="1924803"/>
+            <a:ext cx="806823" cy="310016"/>
+          </a:xfrm>
+          <a:prstGeom prst="roundRect">
+            <a:avLst/>
+          </a:prstGeom>
+          <a:solidFill>
+            <a:srgbClr val="FF0000">
+              <a:alpha val="13000"/>
+            </a:srgbClr>
+          </a:solidFill>
+          <a:ln>
+            <a:solidFill>
+              <a:schemeClr val="accent2">
+                <a:lumMod val="75000"/>
+              </a:schemeClr>
+            </a:solidFill>
+          </a:ln>
+        </p:spPr>
+        <p:style>
+          <a:lnRef idx="2">
+            <a:schemeClr val="accent1">
+              <a:shade val="50000"/>
+            </a:schemeClr>
+          </a:lnRef>
+          <a:fillRef idx="1">
+            <a:schemeClr val="accent1"/>
+          </a:fillRef>
+          <a:effectRef idx="0">
+            <a:schemeClr val="accent1"/>
+          </a:effectRef>
+          <a:fontRef idx="minor">
+            <a:schemeClr val="lt1"/>
+          </a:fontRef>
+        </p:style>
+        <p:txBody>
+          <a:bodyPr rtlCol="0" anchor="ctr"/>
+          <a:lstStyle/>
+          <a:p>
+            <a:pPr algn="ctr"/>
+            <a:endParaRPr lang="fr-FR" dirty="0"/>
+          </a:p>
+        </p:txBody>
+      </p:sp>
+      <p:sp>
+        <p:nvSpPr>
+          <p:cNvPr id="8" name="Rectangle : coins arrondis 7">
+            <a:extLst>
+              <a:ext uri="{FF2B5EF4-FFF2-40B4-BE49-F238E27FC236}">
+                <a16:creationId xmlns:a16="http://schemas.microsoft.com/office/drawing/2014/main" id="{939B8006-C303-D452-1B8B-57B36514BCE3}"/>
+              </a:ext>
+            </a:extLst>
+          </p:cNvPr>
+          <p:cNvSpPr/>
+          <p:nvPr/>
+        </p:nvSpPr>
+        <p:spPr>
+          <a:xfrm>
+            <a:off x="3907463" y="1599466"/>
+            <a:ext cx="806823" cy="310016"/>
+          </a:xfrm>
+          <a:prstGeom prst="roundRect">
+            <a:avLst/>
+          </a:prstGeom>
+          <a:solidFill>
+            <a:srgbClr val="FF0000">
+              <a:alpha val="13000"/>
+            </a:srgbClr>
+          </a:solidFill>
+          <a:ln>
+            <a:solidFill>
+              <a:schemeClr val="accent2">
+                <a:lumMod val="75000"/>
+              </a:schemeClr>
+            </a:solidFill>
+          </a:ln>
+        </p:spPr>
+        <p:style>
+          <a:lnRef idx="2">
+            <a:schemeClr val="accent1">
+              <a:shade val="50000"/>
+            </a:schemeClr>
+          </a:lnRef>
+          <a:fillRef idx="1">
+            <a:schemeClr val="accent1"/>
+          </a:fillRef>
+          <a:effectRef idx="0">
+            <a:schemeClr val="accent1"/>
+          </a:effectRef>
+          <a:fontRef idx="minor">
+            <a:schemeClr val="lt1"/>
+          </a:fontRef>
+        </p:style>
+        <p:txBody>
+          <a:bodyPr rtlCol="0" anchor="ctr"/>
+          <a:lstStyle/>
+          <a:p>
+            <a:pPr algn="ctr"/>
+            <a:endParaRPr lang="fr-FR" dirty="0"/>
+          </a:p>
+        </p:txBody>
+      </p:sp>
+      <p:sp>
+        <p:nvSpPr>
+          <p:cNvPr id="9" name="Rectangle : coins arrondis 8">
+            <a:extLst>
+              <a:ext uri="{FF2B5EF4-FFF2-40B4-BE49-F238E27FC236}">
+                <a16:creationId xmlns:a16="http://schemas.microsoft.com/office/drawing/2014/main" id="{A95ACBD7-3490-BB1D-B956-76108DD16E58}"/>
+              </a:ext>
+            </a:extLst>
+          </p:cNvPr>
+          <p:cNvSpPr/>
+          <p:nvPr/>
+        </p:nvSpPr>
+        <p:spPr>
+          <a:xfrm>
+            <a:off x="3907463" y="1960661"/>
+            <a:ext cx="806823" cy="310016"/>
+          </a:xfrm>
+          <a:prstGeom prst="roundRect">
+            <a:avLst/>
+          </a:prstGeom>
+          <a:solidFill>
+            <a:srgbClr val="FF0000">
+              <a:alpha val="13000"/>
+            </a:srgbClr>
+          </a:solidFill>
+          <a:ln>
+            <a:solidFill>
+              <a:schemeClr val="accent2">
+                <a:lumMod val="75000"/>
+              </a:schemeClr>
+            </a:solidFill>
+          </a:ln>
+        </p:spPr>
+        <p:style>
+          <a:lnRef idx="2">
+            <a:schemeClr val="accent1">
+              <a:shade val="50000"/>
+            </a:schemeClr>
+          </a:lnRef>
+          <a:fillRef idx="1">
+            <a:schemeClr val="accent1"/>
+          </a:fillRef>
+          <a:effectRef idx="0">
+            <a:schemeClr val="accent1"/>
+          </a:effectRef>
+          <a:fontRef idx="minor">
+            <a:schemeClr val="lt1"/>
+          </a:fontRef>
+        </p:style>
+        <p:txBody>
+          <a:bodyPr rtlCol="0" anchor="ctr"/>
+          <a:lstStyle/>
+          <a:p>
+            <a:pPr algn="ctr"/>
+            <a:endParaRPr lang="fr-FR" dirty="0"/>
+          </a:p>
+        </p:txBody>
+      </p:sp>
+      <p:sp>
+        <p:nvSpPr>
+          <p:cNvPr id="10" name="Rectangle : coins arrondis 9">
+            <a:extLst>
+              <a:ext uri="{FF2B5EF4-FFF2-40B4-BE49-F238E27FC236}">
+                <a16:creationId xmlns:a16="http://schemas.microsoft.com/office/drawing/2014/main" id="{AE6DB080-3B89-B2E6-BA5D-509EC879886F}"/>
+              </a:ext>
+            </a:extLst>
+          </p:cNvPr>
+          <p:cNvSpPr/>
+          <p:nvPr/>
+        </p:nvSpPr>
+        <p:spPr>
+          <a:xfrm>
+            <a:off x="5533660" y="1614787"/>
+            <a:ext cx="806823" cy="310016"/>
+          </a:xfrm>
+          <a:prstGeom prst="roundRect">
+            <a:avLst/>
+          </a:prstGeom>
+          <a:solidFill>
+            <a:srgbClr val="FF0000">
+              <a:alpha val="13000"/>
+            </a:srgbClr>
+          </a:solidFill>
+          <a:ln>
+            <a:solidFill>
+              <a:schemeClr val="accent2">
+                <a:lumMod val="75000"/>
+              </a:schemeClr>
+            </a:solidFill>
+          </a:ln>
+        </p:spPr>
+        <p:style>
+          <a:lnRef idx="2">
+            <a:schemeClr val="accent1">
+              <a:shade val="50000"/>
+            </a:schemeClr>
+          </a:lnRef>
+          <a:fillRef idx="1">
+            <a:schemeClr val="accent1"/>
+          </a:fillRef>
+          <a:effectRef idx="0">
+            <a:schemeClr val="accent1"/>
+          </a:effectRef>
+          <a:fontRef idx="minor">
+            <a:schemeClr val="lt1"/>
+          </a:fontRef>
+        </p:style>
+        <p:txBody>
+          <a:bodyPr rtlCol="0" anchor="ctr"/>
+          <a:lstStyle/>
+          <a:p>
+            <a:pPr algn="ctr"/>
+            <a:endParaRPr lang="fr-FR" dirty="0"/>
+          </a:p>
+        </p:txBody>
+      </p:sp>
+      <p:sp>
+        <p:nvSpPr>
+          <p:cNvPr id="11" name="Rectangle : coins arrondis 10">
+            <a:extLst>
+              <a:ext uri="{FF2B5EF4-FFF2-40B4-BE49-F238E27FC236}">
+                <a16:creationId xmlns:a16="http://schemas.microsoft.com/office/drawing/2014/main" id="{72D0F48C-F0FF-C4E0-61ED-76EE6638DDFE}"/>
+              </a:ext>
+            </a:extLst>
+          </p:cNvPr>
+          <p:cNvSpPr/>
+          <p:nvPr/>
+        </p:nvSpPr>
+        <p:spPr>
+          <a:xfrm>
+            <a:off x="5565414" y="1996519"/>
+            <a:ext cx="806823" cy="310016"/>
+          </a:xfrm>
+          <a:prstGeom prst="roundRect">
+            <a:avLst/>
+          </a:prstGeom>
+          <a:solidFill>
+            <a:srgbClr val="FF0000">
+              <a:alpha val="13000"/>
+            </a:srgbClr>
+          </a:solidFill>
+          <a:ln>
+            <a:solidFill>
+              <a:schemeClr val="accent2">
+                <a:lumMod val="75000"/>
+              </a:schemeClr>
+            </a:solidFill>
+          </a:ln>
+        </p:spPr>
+        <p:style>
+          <a:lnRef idx="2">
+            <a:schemeClr val="accent1">
+              <a:shade val="50000"/>
+            </a:schemeClr>
+          </a:lnRef>
+          <a:fillRef idx="1">
+            <a:schemeClr val="accent1"/>
+          </a:fillRef>
+          <a:effectRef idx="0">
+            <a:schemeClr val="accent1"/>
+          </a:effectRef>
+          <a:fontRef idx="minor">
+            <a:schemeClr val="lt1"/>
+          </a:fontRef>
+        </p:style>
+        <p:txBody>
+          <a:bodyPr rtlCol="0" anchor="ctr"/>
+          <a:lstStyle/>
+          <a:p>
+            <a:pPr algn="ctr"/>
+            <a:endParaRPr lang="fr-FR" dirty="0"/>
+          </a:p>
+        </p:txBody>
+      </p:sp>
+    </p:spTree>
+    <p:extLst>
+      <p:ext uri="{BB962C8B-B14F-4D97-AF65-F5344CB8AC3E}">
+        <p14:creationId xmlns:p14="http://schemas.microsoft.com/office/powerpoint/2010/main" val="3353304233"/>
+      </p:ext>
+    </p:extLst>
+  </p:cSld>
+  <p:clrMapOvr>
+    <a:masterClrMapping/>
+  </p:clrMapOvr>
+</p:sld>
+</file>
+
+<file path=ppt/slides/slide3.xml><?xml version="1.0" encoding="utf-8"?>
+<p:sld xmlns:a="http://schemas.openxmlformats.org/drawingml/2006/main" xmlns:r="http://schemas.openxmlformats.org/officeDocument/2006/relationships" xmlns:p="http://schemas.openxmlformats.org/presentationml/2006/main">
+  <p:cSld>
+    <p:spTree>
+      <p:nvGrpSpPr>
+        <p:cNvPr id="1" name=""/>
+        <p:cNvGrpSpPr/>
+        <p:nvPr/>
+      </p:nvGrpSpPr>
+      <p:grpSpPr>
+        <a:xfrm>
+          <a:off x="0" y="0"/>
+          <a:ext cx="0" cy="0"/>
+          <a:chOff x="0" y="0"/>
+          <a:chExt cx="0" cy="0"/>
+        </a:xfrm>
+      </p:grpSpPr>
+      <p:sp>
+        <p:nvSpPr>
+          <p:cNvPr id="2" name="Titre 1">
+            <a:extLst>
+              <a:ext uri="{FF2B5EF4-FFF2-40B4-BE49-F238E27FC236}">
+                <a16:creationId xmlns:a16="http://schemas.microsoft.com/office/drawing/2014/main" id="{013DC938-C6AA-486B-92DD-DA45EBD10454}"/>
+              </a:ext>
+            </a:extLst>
+          </p:cNvPr>
+          <p:cNvSpPr>
+            <a:spLocks noGrp="1"/>
+          </p:cNvSpPr>
+          <p:nvPr>
+            <p:ph type="title"/>
+          </p:nvPr>
+        </p:nvSpPr>
+        <p:spPr/>
+        <p:txBody>
+          <a:bodyPr/>
+          <a:lstStyle/>
+          <a:p>
+            <a:pPr algn="ctr"/>
+            <a:r>
+              <a:rPr lang="fr-FR" dirty="0"/>
+              <a:t>Analyse en Composantes Principales (ACP)</a:t>
+            </a:r>
+          </a:p>
+        </p:txBody>
+      </p:sp>
+      <p:sp>
+        <p:nvSpPr>
+          <p:cNvPr id="3" name="Espace réservé du texte 2">
+            <a:extLst>
+              <a:ext uri="{FF2B5EF4-FFF2-40B4-BE49-F238E27FC236}">
+                <a16:creationId xmlns:a16="http://schemas.microsoft.com/office/drawing/2014/main" id="{7336EB3D-5AED-50DA-891E-FE6F3699AE45}"/>
+              </a:ext>
+            </a:extLst>
+          </p:cNvPr>
+          <p:cNvSpPr>
+            <a:spLocks noGrp="1"/>
+          </p:cNvSpPr>
+          <p:nvPr>
+            <p:ph type="body" idx="1"/>
+          </p:nvPr>
+        </p:nvSpPr>
+        <p:spPr/>
+        <p:txBody>
+          <a:bodyPr/>
+          <a:lstStyle/>
+          <a:p>
+            <a:endParaRPr lang="fr-FR"/>
+          </a:p>
+        </p:txBody>
+      </p:sp>
+    </p:spTree>
+    <p:extLst>
+      <p:ext uri="{BB962C8B-B14F-4D97-AF65-F5344CB8AC3E}">
+        <p14:creationId xmlns:p14="http://schemas.microsoft.com/office/powerpoint/2010/main" val="4225982973"/>
+      </p:ext>
+    </p:extLst>
+  </p:cSld>
+  <p:clrMapOvr>
+    <a:masterClrMapping/>
+  </p:clrMapOvr>
+</p:sld>
+</file>
+
+<file path=ppt/slides/slide4.xml><?xml version="1.0" encoding="utf-8"?>
+<p:sld xmlns:a="http://schemas.openxmlformats.org/drawingml/2006/main" xmlns:r="http://schemas.openxmlformats.org/officeDocument/2006/relationships" xmlns:p="http://schemas.openxmlformats.org/presentationml/2006/main">
+  <p:cSld>
+    <p:spTree>
+      <p:nvGrpSpPr>
+        <p:cNvPr id="1" name=""/>
+        <p:cNvGrpSpPr/>
+        <p:nvPr/>
+      </p:nvGrpSpPr>
+      <p:grpSpPr>
+        <a:xfrm>
+          <a:off x="0" y="0"/>
+          <a:ext cx="0" cy="0"/>
+          <a:chOff x="0" y="0"/>
+          <a:chExt cx="0" cy="0"/>
+        </a:xfrm>
+      </p:grpSpPr>
+      <p:pic>
+        <p:nvPicPr>
+          <p:cNvPr id="3" name="Image 2">
+            <a:extLst>
+              <a:ext uri="{FF2B5EF4-FFF2-40B4-BE49-F238E27FC236}">
+                <a16:creationId xmlns:a16="http://schemas.microsoft.com/office/drawing/2014/main" id="{60A37070-BB0E-8248-FFED-2ABFD044C07A}"/>
+              </a:ext>
+            </a:extLst>
+          </p:cNvPr>
+          <p:cNvPicPr>
+            <a:picLocks noChangeAspect="1"/>
+          </p:cNvPicPr>
+          <p:nvPr/>
+        </p:nvPicPr>
+        <p:blipFill>
+          <a:blip r:embed="rId2"/>
+          <a:stretch>
+            <a:fillRect/>
+          </a:stretch>
+        </p:blipFill>
+        <p:spPr>
+          <a:xfrm>
+            <a:off x="1062317" y="0"/>
+            <a:ext cx="10067365" cy="6858000"/>
+          </a:xfrm>
+          <a:prstGeom prst="rect">
+            <a:avLst/>
+          </a:prstGeom>
+        </p:spPr>
+      </p:pic>
+    </p:spTree>
+    <p:extLst>
+      <p:ext uri="{BB962C8B-B14F-4D97-AF65-F5344CB8AC3E}">
+        <p14:creationId xmlns:p14="http://schemas.microsoft.com/office/powerpoint/2010/main" val="4104707867"/>
+      </p:ext>
+    </p:extLst>
+  </p:cSld>
+  <p:clrMapOvr>
+    <a:masterClrMapping/>
+  </p:clrMapOvr>
+</p:sld>
+</file>
+
+<file path=ppt/slides/slide5.xml><?xml version="1.0" encoding="utf-8"?>
+<p:sld xmlns:a="http://schemas.openxmlformats.org/drawingml/2006/main" xmlns:r="http://schemas.openxmlformats.org/officeDocument/2006/relationships" xmlns:p="http://schemas.openxmlformats.org/presentationml/2006/main">
+  <p:cSld>
+    <p:spTree>
+      <p:nvGrpSpPr>
+        <p:cNvPr id="1" name=""/>
+        <p:cNvGrpSpPr/>
+        <p:nvPr/>
+      </p:nvGrpSpPr>
+      <p:grpSpPr>
+        <a:xfrm>
+          <a:off x="0" y="0"/>
+          <a:ext cx="0" cy="0"/>
+          <a:chOff x="0" y="0"/>
+          <a:chExt cx="0" cy="0"/>
+        </a:xfrm>
+      </p:grpSpPr>
+      <p:pic>
+        <p:nvPicPr>
+          <p:cNvPr id="3" name="Image 2">
+            <a:extLst>
+              <a:ext uri="{FF2B5EF4-FFF2-40B4-BE49-F238E27FC236}">
+                <a16:creationId xmlns:a16="http://schemas.microsoft.com/office/drawing/2014/main" id="{B3F58FFD-ED69-2CE0-402A-4DA286A3916C}"/>
+              </a:ext>
+            </a:extLst>
+          </p:cNvPr>
+          <p:cNvPicPr>
+            <a:picLocks noChangeAspect="1"/>
+          </p:cNvPicPr>
+          <p:nvPr/>
+        </p:nvPicPr>
+        <p:blipFill>
+          <a:blip r:embed="rId2"/>
+          <a:stretch>
+            <a:fillRect/>
+          </a:stretch>
+        </p:blipFill>
+        <p:spPr>
+          <a:xfrm>
+            <a:off x="1053101" y="0"/>
+            <a:ext cx="10085798" cy="6858000"/>
+          </a:xfrm>
+          <a:prstGeom prst="rect">
+            <a:avLst/>
+          </a:prstGeom>
+        </p:spPr>
+      </p:pic>
+    </p:spTree>
+    <p:extLst>
+      <p:ext uri="{BB962C8B-B14F-4D97-AF65-F5344CB8AC3E}">
+        <p14:creationId xmlns:p14="http://schemas.microsoft.com/office/powerpoint/2010/main" val="3281193747"/>
+      </p:ext>
+    </p:extLst>
+  </p:cSld>
+  <p:clrMapOvr>
+    <a:masterClrMapping/>
+  </p:clrMapOvr>
+</p:sld>
+</file>
+
+<file path=ppt/slides/slide6.xml><?xml version="1.0" encoding="utf-8"?>
+<p:sld xmlns:a="http://schemas.openxmlformats.org/drawingml/2006/main" xmlns:r="http://schemas.openxmlformats.org/officeDocument/2006/relationships" xmlns:p="http://schemas.openxmlformats.org/presentationml/2006/main">
+  <p:cSld>
+    <p:spTree>
+      <p:nvGrpSpPr>
+        <p:cNvPr id="1" name=""/>
+        <p:cNvGrpSpPr/>
+        <p:nvPr/>
+      </p:nvGrpSpPr>
+      <p:grpSpPr>
+        <a:xfrm>
+          <a:off x="0" y="0"/>
+          <a:ext cx="0" cy="0"/>
+          <a:chOff x="0" y="0"/>
+          <a:chExt cx="0" cy="0"/>
+        </a:xfrm>
+      </p:grpSpPr>
+      <p:pic>
+        <p:nvPicPr>
+          <p:cNvPr id="3" name="Image 2">
+            <a:extLst>
+              <a:ext uri="{FF2B5EF4-FFF2-40B4-BE49-F238E27FC236}">
+                <a16:creationId xmlns:a16="http://schemas.microsoft.com/office/drawing/2014/main" id="{7C062650-B43E-E349-FE14-BD75612C9EC4}"/>
+              </a:ext>
+            </a:extLst>
+          </p:cNvPr>
+          <p:cNvPicPr>
+            <a:picLocks noChangeAspect="1"/>
+          </p:cNvPicPr>
+          <p:nvPr/>
+        </p:nvPicPr>
+        <p:blipFill>
+          <a:blip r:embed="rId2"/>
+          <a:stretch>
+            <a:fillRect/>
+          </a:stretch>
+        </p:blipFill>
+        <p:spPr>
+          <a:xfrm>
+            <a:off x="985013" y="0"/>
+            <a:ext cx="10221974" cy="6858000"/>
+          </a:xfrm>
+          <a:prstGeom prst="rect">
+            <a:avLst/>
+          </a:prstGeom>
+        </p:spPr>
+      </p:pic>
+    </p:spTree>
+    <p:extLst>
+      <p:ext uri="{BB962C8B-B14F-4D97-AF65-F5344CB8AC3E}">
+        <p14:creationId xmlns:p14="http://schemas.microsoft.com/office/powerpoint/2010/main" val="1467920403"/>
+      </p:ext>
+    </p:extLst>
+  </p:cSld>
+  <p:clrMapOvr>
+    <a:masterClrMapping/>
+  </p:clrMapOvr>
+</p:sld>
+</file>
+
+<file path=ppt/slides/slide7.xml><?xml version="1.0" encoding="utf-8"?>
+<p:sld xmlns:a="http://schemas.openxmlformats.org/drawingml/2006/main" xmlns:r="http://schemas.openxmlformats.org/officeDocument/2006/relationships" xmlns:p="http://schemas.openxmlformats.org/presentationml/2006/main">
+  <p:cSld>
+    <p:spTree>
+      <p:nvGrpSpPr>
+        <p:cNvPr id="1" name=""/>
+        <p:cNvGrpSpPr/>
+        <p:nvPr/>
+      </p:nvGrpSpPr>
+      <p:grpSpPr>
+        <a:xfrm>
+          <a:off x="0" y="0"/>
+          <a:ext cx="0" cy="0"/>
+          <a:chOff x="0" y="0"/>
+          <a:chExt cx="0" cy="0"/>
+        </a:xfrm>
+      </p:grpSpPr>
+      <p:pic>
+        <p:nvPicPr>
+          <p:cNvPr id="3" name="Image 2">
+            <a:extLst>
+              <a:ext uri="{FF2B5EF4-FFF2-40B4-BE49-F238E27FC236}">
+                <a16:creationId xmlns:a16="http://schemas.microsoft.com/office/drawing/2014/main" id="{1E6D06E4-D9CD-9E67-DB7C-3AC9E66B6BF5}"/>
+              </a:ext>
+            </a:extLst>
+          </p:cNvPr>
+          <p:cNvPicPr>
+            <a:picLocks noChangeAspect="1"/>
+          </p:cNvPicPr>
+          <p:nvPr/>
+        </p:nvPicPr>
+        <p:blipFill>
+          <a:blip r:embed="rId2"/>
+          <a:stretch>
+            <a:fillRect/>
+          </a:stretch>
+        </p:blipFill>
+        <p:spPr>
+          <a:xfrm>
+            <a:off x="1024028" y="0"/>
+            <a:ext cx="10143943" cy="6858000"/>
+          </a:xfrm>
+          <a:prstGeom prst="rect">
+            <a:avLst/>
+          </a:prstGeom>
+        </p:spPr>
+      </p:pic>
+    </p:spTree>
+    <p:extLst>
+      <p:ext uri="{BB962C8B-B14F-4D97-AF65-F5344CB8AC3E}">
+        <p14:creationId xmlns:p14="http://schemas.microsoft.com/office/powerpoint/2010/main" val="2427540018"/>
+      </p:ext>
+    </p:extLst>
+  </p:cSld>
+  <p:clrMapOvr>
+    <a:masterClrMapping/>
+  </p:clrMapOvr>
+</p:sld>
+</file>
+
+<file path=ppt/slides/slide8.xml><?xml version="1.0" encoding="utf-8"?>
+<p:sld xmlns:a="http://schemas.openxmlformats.org/drawingml/2006/main" xmlns:r="http://schemas.openxmlformats.org/officeDocument/2006/relationships" xmlns:p="http://schemas.openxmlformats.org/presentationml/2006/main">
+  <p:cSld>
+    <p:spTree>
+      <p:nvGrpSpPr>
+        <p:cNvPr id="1" name=""/>
+        <p:cNvGrpSpPr/>
+        <p:nvPr/>
+      </p:nvGrpSpPr>
+      <p:grpSpPr>
+        <a:xfrm>
+          <a:off x="0" y="0"/>
+          <a:ext cx="0" cy="0"/>
+          <a:chOff x="0" y="0"/>
+          <a:chExt cx="0" cy="0"/>
+        </a:xfrm>
+      </p:grpSpPr>
+      <p:pic>
+        <p:nvPicPr>
+          <p:cNvPr id="3" name="Image 2">
+            <a:extLst>
+              <a:ext uri="{FF2B5EF4-FFF2-40B4-BE49-F238E27FC236}">
+                <a16:creationId xmlns:a16="http://schemas.microsoft.com/office/drawing/2014/main" id="{3D904D74-814C-DF27-2C2D-340A4A0905B6}"/>
+              </a:ext>
+            </a:extLst>
+          </p:cNvPr>
+          <p:cNvPicPr>
+            <a:picLocks noChangeAspect="1"/>
+          </p:cNvPicPr>
+          <p:nvPr/>
+        </p:nvPicPr>
+        <p:blipFill>
+          <a:blip r:embed="rId2"/>
+          <a:stretch>
+            <a:fillRect/>
+          </a:stretch>
+        </p:blipFill>
+        <p:spPr>
+          <a:xfrm>
+            <a:off x="1065944" y="0"/>
+            <a:ext cx="10060112" cy="6858000"/>
+          </a:xfrm>
+          <a:prstGeom prst="rect">
+            <a:avLst/>
+          </a:prstGeom>
+        </p:spPr>
+      </p:pic>
+    </p:spTree>
+    <p:extLst>
+      <p:ext uri="{BB962C8B-B14F-4D97-AF65-F5344CB8AC3E}">
+        <p14:creationId xmlns:p14="http://schemas.microsoft.com/office/powerpoint/2010/main" val="568788384"/>
+      </p:ext>
+    </p:extLst>
+  </p:cSld>
+  <p:clrMapOvr>
+    <a:masterClrMapping/>
+  </p:clrMapOvr>
+</p:sld>
+</file>
+
+<file path=ppt/slides/slide9.xml><?xml version="1.0" encoding="utf-8"?>
+<p:sld xmlns:a="http://schemas.openxmlformats.org/drawingml/2006/main" xmlns:r="http://schemas.openxmlformats.org/officeDocument/2006/relationships" xmlns:p="http://schemas.openxmlformats.org/presentationml/2006/main">
+  <p:cSld>
+    <p:spTree>
+      <p:nvGrpSpPr>
+        <p:cNvPr id="1" name=""/>
+        <p:cNvGrpSpPr/>
+        <p:nvPr/>
+      </p:nvGrpSpPr>
+      <p:grpSpPr>
+        <a:xfrm>
+          <a:off x="0" y="0"/>
+          <a:ext cx="0" cy="0"/>
+          <a:chOff x="0" y="0"/>
+          <a:chExt cx="0" cy="0"/>
+        </a:xfrm>
+      </p:grpSpPr>
+      <p:pic>
+        <p:nvPicPr>
+          <p:cNvPr id="3" name="Image 2">
+            <a:extLst>
+              <a:ext uri="{FF2B5EF4-FFF2-40B4-BE49-F238E27FC236}">
+                <a16:creationId xmlns:a16="http://schemas.microsoft.com/office/drawing/2014/main" id="{CD837642-FDBA-2313-6C1C-0F704A2DC4DE}"/>
+              </a:ext>
+            </a:extLst>
+          </p:cNvPr>
+          <p:cNvPicPr>
+            <a:picLocks noChangeAspect="1"/>
+          </p:cNvPicPr>
+          <p:nvPr/>
+        </p:nvPicPr>
+        <p:blipFill>
+          <a:blip r:embed="rId2"/>
+          <a:stretch>
+            <a:fillRect/>
+          </a:stretch>
+        </p:blipFill>
+        <p:spPr>
+          <a:xfrm>
+            <a:off x="1036397" y="0"/>
+            <a:ext cx="10119206" cy="6858000"/>
+          </a:xfrm>
+          <a:prstGeom prst="rect">
+            <a:avLst/>
+          </a:prstGeom>
+        </p:spPr>
+      </p:pic>
+    </p:spTree>
+    <p:extLst>
+      <p:ext uri="{BB962C8B-B14F-4D97-AF65-F5344CB8AC3E}">
+        <p14:creationId xmlns:p14="http://schemas.microsoft.com/office/powerpoint/2010/main" val="3552346185"/>
+      </p:ext>
+    </p:extLst>
+  </p:cSld>
+  <p:clrMapOvr>
+    <a:masterClrMapping/>
+  </p:clrMapOvr>
+</p:sld>
+</file>
+
 <file path=ppt/theme/theme1.xml><?xml version="1.0" encoding="utf-8"?>
 <a:theme xmlns:a="http://schemas.openxmlformats.org/drawingml/2006/main" name="Thème Office">
   <a:themeElements>
